--- a/tasks.pptx
+++ b/tasks.pptx
@@ -15,6 +15,7 @@
     <p:sldId id="263" r:id="rId10"/>
     <p:sldId id="264" r:id="rId11"/>
     <p:sldId id="265" r:id="rId12"/>
+    <p:sldId id="266" r:id="rId13"/>
   </p:sldIdLst>
   <p:sldSz cx="10080625" cy="5670550"/>
   <p:notesSz cx="7559675" cy="10691812"/>
@@ -73,7 +74,7 @@
         <p:spPr>
           <a:xfrm>
             <a:off x="540000" y="180000"/>
-            <a:ext cx="8279640" cy="629640"/>
+            <a:ext cx="8279280" cy="629280"/>
           </a:xfrm>
           <a:prstGeom prst="rect">
             <a:avLst/>
@@ -104,7 +105,7 @@
         <p:spPr>
           <a:xfrm>
             <a:off x="540000" y="1260000"/>
-            <a:ext cx="4391280" cy="1888560"/>
+            <a:ext cx="2142360" cy="1888560"/>
           </a:xfrm>
           <a:prstGeom prst="rect">
             <a:avLst/>
@@ -134,7 +135,7 @@
         <p:spPr>
           <a:xfrm>
             <a:off x="540000" y="3328200"/>
-            <a:ext cx="4391280" cy="1888560"/>
+            <a:ext cx="2142360" cy="1888560"/>
           </a:xfrm>
           <a:prstGeom prst="rect">
             <a:avLst/>
@@ -186,7 +187,7 @@
         <p:spPr>
           <a:xfrm>
             <a:off x="540000" y="180000"/>
-            <a:ext cx="8279640" cy="629640"/>
+            <a:ext cx="8279280" cy="629280"/>
           </a:xfrm>
           <a:prstGeom prst="rect">
             <a:avLst/>
@@ -217,7 +218,7 @@
         <p:spPr>
           <a:xfrm>
             <a:off x="540000" y="1260000"/>
-            <a:ext cx="2142720" cy="1888560"/>
+            <a:ext cx="1045440" cy="1888560"/>
           </a:xfrm>
           <a:prstGeom prst="rect">
             <a:avLst/>
@@ -225,7 +226,7 @@
         </p:spPr>
         <p:txBody>
           <a:bodyPr lIns="0" rIns="0" tIns="0" bIns="0">
-            <a:normAutofit/>
+            <a:normAutofit fontScale="45000"/>
           </a:bodyPr>
           <a:p>
             <a:endParaRPr b="0" lang="ru-RU" sz="3200" spc="-1" strike="noStrike">
@@ -246,8 +247,8 @@
         </p:nvSpPr>
         <p:spPr>
           <a:xfrm>
-            <a:off x="2790360" y="1260000"/>
-            <a:ext cx="2142720" cy="1888560"/>
+            <a:off x="1638000" y="1260000"/>
+            <a:ext cx="1045440" cy="1888560"/>
           </a:xfrm>
           <a:prstGeom prst="rect">
             <a:avLst/>
@@ -255,7 +256,7 @@
         </p:spPr>
         <p:txBody>
           <a:bodyPr lIns="0" rIns="0" tIns="0" bIns="0">
-            <a:normAutofit/>
+            <a:normAutofit fontScale="45000"/>
           </a:bodyPr>
           <a:p>
             <a:endParaRPr b="0" lang="ru-RU" sz="3200" spc="-1" strike="noStrike">
@@ -277,7 +278,7 @@
         <p:spPr>
           <a:xfrm>
             <a:off x="540000" y="3328200"/>
-            <a:ext cx="2142720" cy="1888560"/>
+            <a:ext cx="1045440" cy="1888560"/>
           </a:xfrm>
           <a:prstGeom prst="rect">
             <a:avLst/>
@@ -285,7 +286,7 @@
         </p:spPr>
         <p:txBody>
           <a:bodyPr lIns="0" rIns="0" tIns="0" bIns="0">
-            <a:normAutofit/>
+            <a:normAutofit fontScale="45000"/>
           </a:bodyPr>
           <a:p>
             <a:endParaRPr b="0" lang="ru-RU" sz="3200" spc="-1" strike="noStrike">
@@ -306,8 +307,8 @@
         </p:nvSpPr>
         <p:spPr>
           <a:xfrm>
-            <a:off x="2790360" y="3328200"/>
-            <a:ext cx="2142720" cy="1888560"/>
+            <a:off x="1638000" y="3328200"/>
+            <a:ext cx="1045440" cy="1888560"/>
           </a:xfrm>
           <a:prstGeom prst="rect">
             <a:avLst/>
@@ -315,7 +316,7 @@
         </p:spPr>
         <p:txBody>
           <a:bodyPr lIns="0" rIns="0" tIns="0" bIns="0">
-            <a:normAutofit/>
+            <a:normAutofit fontScale="45000"/>
           </a:bodyPr>
           <a:p>
             <a:endParaRPr b="0" lang="ru-RU" sz="3200" spc="-1" strike="noStrike">
@@ -359,7 +360,7 @@
         <p:spPr>
           <a:xfrm>
             <a:off x="540000" y="180000"/>
-            <a:ext cx="8279640" cy="629640"/>
+            <a:ext cx="8279280" cy="629280"/>
           </a:xfrm>
           <a:prstGeom prst="rect">
             <a:avLst/>
@@ -390,7 +391,7 @@
         <p:spPr>
           <a:xfrm>
             <a:off x="540000" y="1260000"/>
-            <a:ext cx="1413720" cy="1888560"/>
+            <a:ext cx="689760" cy="1888560"/>
           </a:xfrm>
           <a:prstGeom prst="rect">
             <a:avLst/>
@@ -398,7 +399,7 @@
         </p:spPr>
         <p:txBody>
           <a:bodyPr lIns="0" rIns="0" tIns="0" bIns="0">
-            <a:normAutofit/>
+            <a:normAutofit fontScale="17000"/>
           </a:bodyPr>
           <a:p>
             <a:endParaRPr b="0" lang="ru-RU" sz="3200" spc="-1" strike="noStrike">
@@ -419,8 +420,8 @@
         </p:nvSpPr>
         <p:spPr>
           <a:xfrm>
-            <a:off x="2024640" y="1260000"/>
-            <a:ext cx="1413720" cy="1888560"/>
+            <a:off x="1264680" y="1260000"/>
+            <a:ext cx="689760" cy="1888560"/>
           </a:xfrm>
           <a:prstGeom prst="rect">
             <a:avLst/>
@@ -428,7 +429,7 @@
         </p:spPr>
         <p:txBody>
           <a:bodyPr lIns="0" rIns="0" tIns="0" bIns="0">
-            <a:normAutofit/>
+            <a:normAutofit fontScale="17000"/>
           </a:bodyPr>
           <a:p>
             <a:endParaRPr b="0" lang="ru-RU" sz="3200" spc="-1" strike="noStrike">
@@ -449,8 +450,8 @@
         </p:nvSpPr>
         <p:spPr>
           <a:xfrm>
-            <a:off x="3509640" y="1260000"/>
-            <a:ext cx="1413720" cy="1888560"/>
+            <a:off x="1989360" y="1260000"/>
+            <a:ext cx="689760" cy="1888560"/>
           </a:xfrm>
           <a:prstGeom prst="rect">
             <a:avLst/>
@@ -458,7 +459,7 @@
         </p:spPr>
         <p:txBody>
           <a:bodyPr lIns="0" rIns="0" tIns="0" bIns="0">
-            <a:normAutofit/>
+            <a:normAutofit fontScale="17000"/>
           </a:bodyPr>
           <a:p>
             <a:endParaRPr b="0" lang="ru-RU" sz="3200" spc="-1" strike="noStrike">
@@ -480,7 +481,7 @@
         <p:spPr>
           <a:xfrm>
             <a:off x="540000" y="3328200"/>
-            <a:ext cx="1413720" cy="1888560"/>
+            <a:ext cx="689760" cy="1888560"/>
           </a:xfrm>
           <a:prstGeom prst="rect">
             <a:avLst/>
@@ -488,7 +489,7 @@
         </p:spPr>
         <p:txBody>
           <a:bodyPr lIns="0" rIns="0" tIns="0" bIns="0">
-            <a:normAutofit/>
+            <a:normAutofit fontScale="17000"/>
           </a:bodyPr>
           <a:p>
             <a:endParaRPr b="0" lang="ru-RU" sz="3200" spc="-1" strike="noStrike">
@@ -509,8 +510,8 @@
         </p:nvSpPr>
         <p:spPr>
           <a:xfrm>
-            <a:off x="2024640" y="3328200"/>
-            <a:ext cx="1413720" cy="1888560"/>
+            <a:off x="1264680" y="3328200"/>
+            <a:ext cx="689760" cy="1888560"/>
           </a:xfrm>
           <a:prstGeom prst="rect">
             <a:avLst/>
@@ -518,7 +519,7 @@
         </p:spPr>
         <p:txBody>
           <a:bodyPr lIns="0" rIns="0" tIns="0" bIns="0">
-            <a:normAutofit/>
+            <a:normAutofit fontScale="17000"/>
           </a:bodyPr>
           <a:p>
             <a:endParaRPr b="0" lang="ru-RU" sz="3200" spc="-1" strike="noStrike">
@@ -539,8 +540,8 @@
         </p:nvSpPr>
         <p:spPr>
           <a:xfrm>
-            <a:off x="3509640" y="3328200"/>
-            <a:ext cx="1413720" cy="1888560"/>
+            <a:off x="1989360" y="3328200"/>
+            <a:ext cx="689760" cy="1888560"/>
           </a:xfrm>
           <a:prstGeom prst="rect">
             <a:avLst/>
@@ -548,7 +549,7 @@
         </p:spPr>
         <p:txBody>
           <a:bodyPr lIns="0" rIns="0" tIns="0" bIns="0">
-            <a:normAutofit/>
+            <a:normAutofit fontScale="17000"/>
           </a:bodyPr>
           <a:p>
             <a:endParaRPr b="0" lang="ru-RU" sz="3200" spc="-1" strike="noStrike">
@@ -592,7 +593,7 @@
         <p:spPr>
           <a:xfrm>
             <a:off x="540000" y="180000"/>
-            <a:ext cx="8279640" cy="629640"/>
+            <a:ext cx="8279280" cy="629280"/>
           </a:xfrm>
           <a:prstGeom prst="rect">
             <a:avLst/>
@@ -623,7 +624,7 @@
         <p:spPr>
           <a:xfrm>
             <a:off x="540000" y="1260000"/>
-            <a:ext cx="4391280" cy="3959640"/>
+            <a:ext cx="2142360" cy="3959280"/>
           </a:xfrm>
           <a:prstGeom prst="rect">
             <a:avLst/>
@@ -676,7 +677,7 @@
         <p:spPr>
           <a:xfrm>
             <a:off x="540000" y="180000"/>
-            <a:ext cx="8279640" cy="629640"/>
+            <a:ext cx="8279280" cy="629280"/>
           </a:xfrm>
           <a:prstGeom prst="rect">
             <a:avLst/>
@@ -707,7 +708,7 @@
         <p:spPr>
           <a:xfrm>
             <a:off x="540000" y="1260000"/>
-            <a:ext cx="4391280" cy="3959640"/>
+            <a:ext cx="2142360" cy="3959280"/>
           </a:xfrm>
           <a:prstGeom prst="rect">
             <a:avLst/>
@@ -759,7 +760,7 @@
         <p:spPr>
           <a:xfrm>
             <a:off x="540000" y="180000"/>
-            <a:ext cx="8279640" cy="629640"/>
+            <a:ext cx="8279280" cy="629280"/>
           </a:xfrm>
           <a:prstGeom prst="rect">
             <a:avLst/>
@@ -790,7 +791,7 @@
         <p:spPr>
           <a:xfrm>
             <a:off x="540000" y="1260000"/>
-            <a:ext cx="2142720" cy="3959640"/>
+            <a:ext cx="1045440" cy="3959280"/>
           </a:xfrm>
           <a:prstGeom prst="rect">
             <a:avLst/>
@@ -819,8 +820,8 @@
         </p:nvSpPr>
         <p:spPr>
           <a:xfrm>
-            <a:off x="2790360" y="1260000"/>
-            <a:ext cx="2142720" cy="3959640"/>
+            <a:off x="1638000" y="1260000"/>
+            <a:ext cx="1045440" cy="3959280"/>
           </a:xfrm>
           <a:prstGeom prst="rect">
             <a:avLst/>
@@ -872,7 +873,7 @@
         <p:spPr>
           <a:xfrm>
             <a:off x="540000" y="180000"/>
-            <a:ext cx="8279640" cy="629640"/>
+            <a:ext cx="8279280" cy="629280"/>
           </a:xfrm>
           <a:prstGeom prst="rect">
             <a:avLst/>
@@ -925,7 +926,7 @@
         <p:spPr>
           <a:xfrm>
             <a:off x="540000" y="180000"/>
-            <a:ext cx="8279640" cy="2919960"/>
+            <a:ext cx="8279280" cy="2918160"/>
           </a:xfrm>
           <a:prstGeom prst="rect">
             <a:avLst/>
@@ -978,7 +979,7 @@
         <p:spPr>
           <a:xfrm>
             <a:off x="540000" y="180000"/>
-            <a:ext cx="8279640" cy="629640"/>
+            <a:ext cx="8279280" cy="629280"/>
           </a:xfrm>
           <a:prstGeom prst="rect">
             <a:avLst/>
@@ -1009,7 +1010,7 @@
         <p:spPr>
           <a:xfrm>
             <a:off x="540000" y="1260000"/>
-            <a:ext cx="2142720" cy="1888560"/>
+            <a:ext cx="1045440" cy="1888560"/>
           </a:xfrm>
           <a:prstGeom prst="rect">
             <a:avLst/>
@@ -1017,7 +1018,7 @@
         </p:spPr>
         <p:txBody>
           <a:bodyPr lIns="0" rIns="0" tIns="0" bIns="0">
-            <a:normAutofit/>
+            <a:normAutofit fontScale="45000"/>
           </a:bodyPr>
           <a:p>
             <a:endParaRPr b="0" lang="ru-RU" sz="3200" spc="-1" strike="noStrike">
@@ -1038,8 +1039,8 @@
         </p:nvSpPr>
         <p:spPr>
           <a:xfrm>
-            <a:off x="2790360" y="1260000"/>
-            <a:ext cx="2142720" cy="3959640"/>
+            <a:off x="1638000" y="1260000"/>
+            <a:ext cx="1045440" cy="3959280"/>
           </a:xfrm>
           <a:prstGeom prst="rect">
             <a:avLst/>
@@ -1069,7 +1070,7 @@
         <p:spPr>
           <a:xfrm>
             <a:off x="540000" y="3328200"/>
-            <a:ext cx="2142720" cy="1888560"/>
+            <a:ext cx="1045440" cy="1888560"/>
           </a:xfrm>
           <a:prstGeom prst="rect">
             <a:avLst/>
@@ -1077,7 +1078,7 @@
         </p:spPr>
         <p:txBody>
           <a:bodyPr lIns="0" rIns="0" tIns="0" bIns="0">
-            <a:normAutofit/>
+            <a:normAutofit fontScale="45000"/>
           </a:bodyPr>
           <a:p>
             <a:endParaRPr b="0" lang="ru-RU" sz="3200" spc="-1" strike="noStrike">
@@ -1121,7 +1122,7 @@
         <p:spPr>
           <a:xfrm>
             <a:off x="540000" y="180000"/>
-            <a:ext cx="8279640" cy="629640"/>
+            <a:ext cx="8279280" cy="629280"/>
           </a:xfrm>
           <a:prstGeom prst="rect">
             <a:avLst/>
@@ -1152,7 +1153,7 @@
         <p:spPr>
           <a:xfrm>
             <a:off x="540000" y="1260000"/>
-            <a:ext cx="2142720" cy="3959640"/>
+            <a:ext cx="1045440" cy="3959280"/>
           </a:xfrm>
           <a:prstGeom prst="rect">
             <a:avLst/>
@@ -1181,8 +1182,8 @@
         </p:nvSpPr>
         <p:spPr>
           <a:xfrm>
-            <a:off x="2790360" y="1260000"/>
-            <a:ext cx="2142720" cy="1888560"/>
+            <a:off x="1638000" y="1260000"/>
+            <a:ext cx="1045440" cy="1888560"/>
           </a:xfrm>
           <a:prstGeom prst="rect">
             <a:avLst/>
@@ -1190,7 +1191,7 @@
         </p:spPr>
         <p:txBody>
           <a:bodyPr lIns="0" rIns="0" tIns="0" bIns="0">
-            <a:normAutofit/>
+            <a:normAutofit fontScale="45000"/>
           </a:bodyPr>
           <a:p>
             <a:endParaRPr b="0" lang="ru-RU" sz="3200" spc="-1" strike="noStrike">
@@ -1211,8 +1212,8 @@
         </p:nvSpPr>
         <p:spPr>
           <a:xfrm>
-            <a:off x="2790360" y="3328200"/>
-            <a:ext cx="2142720" cy="1888560"/>
+            <a:off x="1638000" y="3328200"/>
+            <a:ext cx="1045440" cy="1888560"/>
           </a:xfrm>
           <a:prstGeom prst="rect">
             <a:avLst/>
@@ -1220,7 +1221,7 @@
         </p:spPr>
         <p:txBody>
           <a:bodyPr lIns="0" rIns="0" tIns="0" bIns="0">
-            <a:normAutofit/>
+            <a:normAutofit fontScale="45000"/>
           </a:bodyPr>
           <a:p>
             <a:endParaRPr b="0" lang="ru-RU" sz="3200" spc="-1" strike="noStrike">
@@ -1264,7 +1265,7 @@
         <p:spPr>
           <a:xfrm>
             <a:off x="540000" y="180000"/>
-            <a:ext cx="8279640" cy="629640"/>
+            <a:ext cx="8279280" cy="629280"/>
           </a:xfrm>
           <a:prstGeom prst="rect">
             <a:avLst/>
@@ -1295,7 +1296,7 @@
         <p:spPr>
           <a:xfrm>
             <a:off x="540000" y="1260000"/>
-            <a:ext cx="2142720" cy="1888560"/>
+            <a:ext cx="1045440" cy="1888560"/>
           </a:xfrm>
           <a:prstGeom prst="rect">
             <a:avLst/>
@@ -1303,7 +1304,7 @@
         </p:spPr>
         <p:txBody>
           <a:bodyPr lIns="0" rIns="0" tIns="0" bIns="0">
-            <a:normAutofit/>
+            <a:normAutofit fontScale="45000"/>
           </a:bodyPr>
           <a:p>
             <a:endParaRPr b="0" lang="ru-RU" sz="3200" spc="-1" strike="noStrike">
@@ -1324,8 +1325,8 @@
         </p:nvSpPr>
         <p:spPr>
           <a:xfrm>
-            <a:off x="2790360" y="1260000"/>
-            <a:ext cx="2142720" cy="1888560"/>
+            <a:off x="1638000" y="1260000"/>
+            <a:ext cx="1045440" cy="1888560"/>
           </a:xfrm>
           <a:prstGeom prst="rect">
             <a:avLst/>
@@ -1333,7 +1334,7 @@
         </p:spPr>
         <p:txBody>
           <a:bodyPr lIns="0" rIns="0" tIns="0" bIns="0">
-            <a:normAutofit/>
+            <a:normAutofit fontScale="45000"/>
           </a:bodyPr>
           <a:p>
             <a:endParaRPr b="0" lang="ru-RU" sz="3200" spc="-1" strike="noStrike">
@@ -1355,7 +1356,7 @@
         <p:spPr>
           <a:xfrm>
             <a:off x="540000" y="3328200"/>
-            <a:ext cx="4391280" cy="1888560"/>
+            <a:ext cx="2142360" cy="1888560"/>
           </a:xfrm>
           <a:prstGeom prst="rect">
             <a:avLst/>
@@ -1403,7 +1404,7 @@
         <p:spPr>
           <a:xfrm>
             <a:off x="0" y="-8640"/>
-            <a:ext cx="10079640" cy="906480"/>
+            <a:ext cx="10079280" cy="906120"/>
           </a:xfrm>
           <a:prstGeom prst="rect">
             <a:avLst/>
@@ -1433,7 +1434,7 @@
         <p:spPr>
           <a:xfrm>
             <a:off x="8820000" y="90000"/>
-            <a:ext cx="755640" cy="719640"/>
+            <a:ext cx="755280" cy="719280"/>
           </a:xfrm>
           <a:prstGeom prst="rect">
             <a:avLst/>
@@ -1456,7 +1457,7 @@
         <p:spPr>
           <a:xfrm>
             <a:off x="180000" y="5220000"/>
-            <a:ext cx="9719640" cy="179640"/>
+            <a:ext cx="9719280" cy="179280"/>
           </a:xfrm>
           <a:prstGeom prst="rect">
             <a:avLst/>
@@ -1479,7 +1480,7 @@
         <p:spPr>
           <a:xfrm>
             <a:off x="540000" y="180000"/>
-            <a:ext cx="8279640" cy="629640"/>
+            <a:ext cx="8279280" cy="629280"/>
           </a:xfrm>
           <a:prstGeom prst="rect">
             <a:avLst/>
@@ -1515,7 +1516,7 @@
         <p:spPr>
           <a:xfrm>
             <a:off x="540000" y="1260000"/>
-            <a:ext cx="4391280" cy="3959640"/>
+            <a:ext cx="2142360" cy="3959280"/>
           </a:xfrm>
           <a:prstGeom prst="rect">
             <a:avLst/>
@@ -1523,7 +1524,7 @@
         </p:spPr>
         <p:txBody>
           <a:bodyPr lIns="0" rIns="0" tIns="0" bIns="0">
-            <a:normAutofit/>
+            <a:normAutofit fontScale="7000"/>
           </a:bodyPr>
           <a:p>
             <a:pPr marL="432000" indent="-324000">
@@ -1673,7 +1674,13 @@
               <a:rPr b="0" lang="ru-RU" sz="1800" spc="-1" strike="noStrike">
                 <a:latin typeface="Arial"/>
               </a:rPr>
-              <a:t>Seventh Outline Level</a:t>
+              <a:t>Seventh Outline </a:t>
+            </a:r>
+            <a:r>
+              <a:rPr b="0" lang="ru-RU" sz="1800" spc="-1" strike="noStrike">
+                <a:latin typeface="Arial"/>
+              </a:rPr>
+              <a:t>Level</a:t>
             </a:r>
             <a:endParaRPr b="0" lang="ru-RU" sz="1800" spc="-1" strike="noStrike">
               <a:latin typeface="Arial"/>
@@ -1693,8 +1700,8 @@
         </p:nvSpPr>
         <p:spPr>
           <a:xfrm>
-            <a:off x="5151600" y="1260000"/>
-            <a:ext cx="4391280" cy="3959640"/>
+            <a:off x="2790360" y="1260000"/>
+            <a:ext cx="2142360" cy="3959280"/>
           </a:xfrm>
           <a:prstGeom prst="rect">
             <a:avLst/>
@@ -1702,7 +1709,7 @@
         </p:spPr>
         <p:txBody>
           <a:bodyPr lIns="0" rIns="0" tIns="0" bIns="0">
-            <a:normAutofit/>
+            <a:normAutofit fontScale="7000"/>
           </a:bodyPr>
           <a:p>
             <a:pPr marL="432000" indent="-324000">
@@ -1852,7 +1859,13 @@
               <a:rPr b="0" lang="ru-RU" sz="1800" spc="-1" strike="noStrike">
                 <a:latin typeface="Arial"/>
               </a:rPr>
-              <a:t>Seventh Outline Level</a:t>
+              <a:t>Seventh Outline </a:t>
+            </a:r>
+            <a:r>
+              <a:rPr b="0" lang="ru-RU" sz="1800" spc="-1" strike="noStrike">
+                <a:latin typeface="Arial"/>
+              </a:rPr>
+              <a:t>Level</a:t>
             </a:r>
             <a:endParaRPr b="0" lang="ru-RU" sz="1800" spc="-1" strike="noStrike">
               <a:latin typeface="Arial"/>
@@ -1910,7 +1923,7 @@
         <p:spPr>
           <a:xfrm>
             <a:off x="900000" y="720000"/>
-            <a:ext cx="6663240" cy="1792800"/>
+            <a:ext cx="6662880" cy="1792440"/>
           </a:xfrm>
           <a:prstGeom prst="rect">
             <a:avLst/>
@@ -1929,7 +1942,7 @@
         <p:spPr>
           <a:xfrm>
             <a:off x="540000" y="2921760"/>
-            <a:ext cx="9179640" cy="1577880"/>
+            <a:ext cx="9179280" cy="1577520"/>
           </a:xfrm>
           <a:prstGeom prst="rect">
             <a:avLst/>
@@ -1957,7 +1970,11 @@
             </a:pPr>
             <a:r>
               <a:rPr b="0" lang="ru-RU" sz="1800" spc="-1" strike="noStrike">
-                <a:latin typeface="Arial"/>
+                <a:solidFill>
+                  <a:srgbClr val="000000"/>
+                </a:solidFill>
+                <a:latin typeface="Arial"/>
+                <a:ea typeface="DejaVu Sans"/>
               </a:rPr>
               <a:t>Необходимо написать:</a:t>
             </a:r>
@@ -1973,7 +1990,11 @@
             </a:pPr>
             <a:r>
               <a:rPr b="0" lang="ru-RU" sz="1800" spc="-1" strike="noStrike">
-                <a:latin typeface="Arial"/>
+                <a:solidFill>
+                  <a:srgbClr val="000000"/>
+                </a:solidFill>
+                <a:latin typeface="Arial"/>
+                <a:ea typeface="DejaVu Sans"/>
               </a:rPr>
               <a:t>1) запрос, который выводит все записи по сотрудникам, родившимся в 1977 - 1983 годах</a:t>
             </a:r>
@@ -1989,7 +2010,11 @@
             </a:pPr>
             <a:r>
               <a:rPr b="0" lang="ru-RU" sz="1800" spc="-1" strike="noStrike">
-                <a:latin typeface="Arial"/>
+                <a:solidFill>
+                  <a:srgbClr val="000000"/>
+                </a:solidFill>
+                <a:latin typeface="Arial"/>
+                <a:ea typeface="DejaVu Sans"/>
               </a:rPr>
               <a:t>2) запрос, который выводит содержимое таблицы по сотрудникам, у которых пол – женский</a:t>
             </a:r>
@@ -2029,6 +2054,29 @@
           <a:chExt cx="0" cy="0"/>
         </a:xfrm>
       </p:grpSpPr>
+      <p:pic>
+        <p:nvPicPr>
+          <p:cNvPr id="56" name="" descr=""/>
+          <p:cNvPicPr/>
+          <p:nvPr/>
+        </p:nvPicPr>
+        <p:blipFill>
+          <a:blip r:embed="rId1"/>
+          <a:stretch/>
+        </p:blipFill>
+        <p:spPr>
+          <a:xfrm>
+            <a:off x="312480" y="810000"/>
+            <a:ext cx="5417640" cy="3149280"/>
+          </a:xfrm>
+          <a:prstGeom prst="rect">
+            <a:avLst/>
+          </a:prstGeom>
+          <a:ln w="25200">
+            <a:noFill/>
+          </a:ln>
+        </p:spPr>
+      </p:pic>
       <p:sp>
         <p:nvSpPr>
           <p:cNvPr id="57" name=""/>
@@ -2037,14 +2085,14 @@
         </p:nvSpPr>
         <p:spPr>
           <a:xfrm>
-            <a:off x="540000" y="360000"/>
-            <a:ext cx="7199640" cy="4139640"/>
+            <a:off x="5760000" y="540000"/>
+            <a:ext cx="4139280" cy="4381560"/>
           </a:xfrm>
           <a:prstGeom prst="rect">
             <a:avLst/>
           </a:prstGeom>
           <a:noFill/>
-          <a:ln w="0">
+          <a:ln w="25200">
             <a:noFill/>
           </a:ln>
         </p:spPr>
@@ -2055,11 +2103,212 @@
           <a:fontRef idx="minor"/>
         </p:style>
         <p:txBody>
+          <a:bodyPr lIns="90000" rIns="90000" tIns="45000" bIns="45000">
+            <a:noAutofit/>
+          </a:bodyPr>
+          <a:p>
+            <a:pPr>
+              <a:lnSpc>
+                <a:spcPct val="100000"/>
+              </a:lnSpc>
+            </a:pPr>
+            <a:r>
+              <a:rPr b="0" lang="ru-RU" sz="1600" spc="-1" strike="noStrike">
+                <a:solidFill>
+                  <a:srgbClr val="000000"/>
+                </a:solidFill>
+                <a:latin typeface="Arial"/>
+                <a:ea typeface="DejaVu Sans"/>
+              </a:rPr>
+              <a:t>ТЗ</a:t>
+            </a:r>
+            <a:endParaRPr b="0" lang="ru-RU" sz="1600" spc="-1" strike="noStrike">
+              <a:latin typeface="Arial"/>
+            </a:endParaRPr>
+          </a:p>
+          <a:p>
+            <a:pPr>
+              <a:lnSpc>
+                <a:spcPct val="100000"/>
+              </a:lnSpc>
+            </a:pPr>
+            <a:r>
+              <a:rPr b="0" lang="ru-RU" sz="1600" spc="-1" strike="noStrike">
+                <a:solidFill>
+                  <a:srgbClr val="000000"/>
+                </a:solidFill>
+                <a:latin typeface="Arial"/>
+                <a:ea typeface="DejaVu Sans"/>
+              </a:rPr>
+              <a:t>- Создать страницу Редактирование пользователя. На странице должно быть 2 поля — Имя и Возраст</a:t>
+            </a:r>
+            <a:endParaRPr b="0" lang="ru-RU" sz="1600" spc="-1" strike="noStrike">
+              <a:latin typeface="Arial"/>
+            </a:endParaRPr>
+          </a:p>
+          <a:p>
+            <a:pPr>
+              <a:lnSpc>
+                <a:spcPct val="100000"/>
+              </a:lnSpc>
+            </a:pPr>
+            <a:r>
+              <a:rPr b="0" lang="ru-RU" sz="1600" spc="-1" strike="noStrike">
+                <a:solidFill>
+                  <a:srgbClr val="000000"/>
+                </a:solidFill>
+                <a:latin typeface="Arial"/>
+                <a:ea typeface="DejaVu Sans"/>
+              </a:rPr>
+              <a:t>- Поле "Имя" - текстовое поле, максимальное кол-во символов 15, может состоять только из кириллических или только из латинских символов.</a:t>
+            </a:r>
+            <a:endParaRPr b="0" lang="ru-RU" sz="1600" spc="-1" strike="noStrike">
+              <a:latin typeface="Arial"/>
+            </a:endParaRPr>
+          </a:p>
+          <a:p>
+            <a:pPr>
+              <a:lnSpc>
+                <a:spcPct val="100000"/>
+              </a:lnSpc>
+            </a:pPr>
+            <a:r>
+              <a:rPr b="0" lang="ru-RU" sz="1600" spc="-1" strike="noStrike">
+                <a:solidFill>
+                  <a:srgbClr val="000000"/>
+                </a:solidFill>
+                <a:latin typeface="Arial"/>
+                <a:ea typeface="DejaVu Sans"/>
+              </a:rPr>
+              <a:t>- Поле "Возраст" - числовое поле, максимальное значение символов 2, корректное значение в диапазоне 14 - 90.</a:t>
+            </a:r>
+            <a:endParaRPr b="0" lang="ru-RU" sz="1600" spc="-1" strike="noStrike">
+              <a:latin typeface="Arial"/>
+            </a:endParaRPr>
+          </a:p>
+          <a:p>
+            <a:pPr>
+              <a:lnSpc>
+                <a:spcPct val="100000"/>
+              </a:lnSpc>
+            </a:pPr>
+            <a:r>
+              <a:rPr b="0" lang="ru-RU" sz="1600" spc="-1" strike="noStrike">
+                <a:solidFill>
+                  <a:srgbClr val="000000"/>
+                </a:solidFill>
+                <a:latin typeface="Arial"/>
+                <a:ea typeface="DejaVu Sans"/>
+              </a:rPr>
+              <a:t>- После загрузки страницы кнопки "Отмена" и “Сохранить” активны.</a:t>
+            </a:r>
+            <a:endParaRPr b="0" lang="ru-RU" sz="1600" spc="-1" strike="noStrike">
+              <a:latin typeface="Arial"/>
+            </a:endParaRPr>
+          </a:p>
+          <a:p>
+            <a:pPr>
+              <a:lnSpc>
+                <a:spcPct val="100000"/>
+              </a:lnSpc>
+            </a:pPr>
+            <a:r>
+              <a:rPr b="0" lang="ru-RU" sz="1600" spc="-1" strike="noStrike">
+                <a:solidFill>
+                  <a:srgbClr val="000000"/>
+                </a:solidFill>
+                <a:latin typeface="Arial"/>
+                <a:ea typeface="DejaVu Sans"/>
+              </a:rPr>
+              <a:t>- После нажатия кнопки “Сохранить” введенные данные отправляются в БД, страница обновляется</a:t>
+            </a:r>
+            <a:endParaRPr b="0" lang="ru-RU" sz="1600" spc="-1" strike="noStrike">
+              <a:latin typeface="Arial"/>
+            </a:endParaRPr>
+          </a:p>
+          <a:p>
+            <a:pPr>
+              <a:lnSpc>
+                <a:spcPct val="100000"/>
+              </a:lnSpc>
+            </a:pPr>
+            <a:r>
+              <a:rPr b="0" lang="ru-RU" sz="1600" spc="-1" strike="noStrike">
+                <a:solidFill>
+                  <a:srgbClr val="000000"/>
+                </a:solidFill>
+                <a:latin typeface="Arial"/>
+                <a:ea typeface="DejaVu Sans"/>
+              </a:rPr>
+              <a:t>- После нажатия кнопки “Отмена” происходит переход к странице “Информация о  пользователе”</a:t>
+            </a:r>
+            <a:endParaRPr b="0" lang="ru-RU" sz="1600" spc="-1" strike="noStrike">
+              <a:latin typeface="Arial"/>
+            </a:endParaRPr>
+          </a:p>
+        </p:txBody>
+      </p:sp>
+    </p:spTree>
+  </p:cSld>
+  <mc:AlternateContent>
+    <mc:Choice Requires="p14">
+      <p:transition spd="slow" p14:dur="2000"/>
+    </mc:Choice>
+    <mc:Fallback>
+      <p:transition spd="slow"/>
+    </mc:Fallback>
+  </mc:AlternateContent>
+</p:sld>
+</file>
+
+<file path=ppt/slides/slide11.xml><?xml version="1.0" encoding="utf-8"?>
+<p:sld xmlns:a="http://schemas.openxmlformats.org/drawingml/2006/main" xmlns:p="http://schemas.openxmlformats.org/presentationml/2006/main" xmlns:r="http://schemas.openxmlformats.org/officeDocument/2006/relationships" xmlns:p14="http://schemas.microsoft.com/office/powerpoint/2010/main" xmlns:p15="http://schemas.microsoft.com/office/powerpoint/2012/main" xmlns:mc="http://schemas.openxmlformats.org/markup-compatibility/2006">
+  <p:cSld>
+    <p:spTree>
+      <p:nvGrpSpPr>
+        <p:cNvPr id="1" name=""/>
+        <p:cNvGrpSpPr/>
+        <p:nvPr/>
+      </p:nvGrpSpPr>
+      <p:grpSpPr>
+        <a:xfrm>
+          <a:off x="0" y="0"/>
+          <a:ext cx="0" cy="0"/>
+          <a:chOff x="0" y="0"/>
+          <a:chExt cx="0" cy="0"/>
+        </a:xfrm>
+      </p:grpSpPr>
+      <p:sp>
+        <p:nvSpPr>
+          <p:cNvPr id="58" name=""/>
+          <p:cNvSpPr/>
+          <p:nvPr/>
+        </p:nvSpPr>
+        <p:spPr>
+          <a:xfrm>
+            <a:off x="540000" y="360000"/>
+            <a:ext cx="7199280" cy="4139280"/>
+          </a:xfrm>
+          <a:prstGeom prst="rect">
+            <a:avLst/>
+          </a:prstGeom>
+          <a:noFill/>
+          <a:ln w="0">
+            <a:noFill/>
+          </a:ln>
+        </p:spPr>
+        <p:style>
+          <a:lnRef idx="0"/>
+          <a:fillRef idx="0"/>
+          <a:effectRef idx="0"/>
+          <a:fontRef idx="minor"/>
+        </p:style>
+        <p:txBody>
           <a:bodyPr lIns="0" rIns="0" tIns="0" bIns="0">
             <a:normAutofit/>
           </a:bodyPr>
           <a:p>
-            <a:pPr marL="432000" indent="-323640">
+            <a:pPr marL="432000" indent="-323280">
               <a:lnSpc>
                 <a:spcPct val="100000"/>
               </a:lnSpc>
@@ -2075,7 +2324,11 @@
             </a:pPr>
             <a:r>
               <a:rPr b="0" lang="ru-RU" sz="2400" spc="-1" strike="noStrike">
-                <a:latin typeface="Arial"/>
+                <a:solidFill>
+                  <a:srgbClr val="000000"/>
+                </a:solidFill>
+                <a:latin typeface="Arial"/>
+                <a:ea typeface="DejaVu Sans"/>
               </a:rPr>
               <a:t>Есть описание требований к задаче:</a:t>
             </a:r>
@@ -2097,7 +2350,7 @@
             </a:endParaRPr>
           </a:p>
           <a:p>
-            <a:pPr marL="432000" indent="-323640">
+            <a:pPr marL="432000" indent="-323280">
               <a:lnSpc>
                 <a:spcPct val="100000"/>
               </a:lnSpc>
@@ -2113,7 +2366,11 @@
             </a:pPr>
             <a:r>
               <a:rPr b="0" lang="ru-RU" sz="1600" spc="-1" strike="noStrike">
-                <a:latin typeface="Arial"/>
+                <a:solidFill>
+                  <a:srgbClr val="000000"/>
+                </a:solidFill>
+                <a:latin typeface="Arial"/>
+                <a:ea typeface="DejaVu Sans"/>
               </a:rPr>
               <a:t>Пользователь имеет возможность перейти в раздел “Товар” и увидеть в нем список товаров. Пользователь может создать новый заказ, нажав на кнопку “Создать”. У товара могут быть поля “Название”, “Описание”, “Цена”, “Количество”, “Доп. характеристика” и до 5 изображений, но не все поля обязательные. Изображения могут быть в формате .jpeg, .png и т д. У пользователя нет ограничений по кол-ву созданных товаров.</a:t>
             </a:r>
@@ -2162,7 +2419,7 @@
         <p:spPr>
           <a:xfrm>
             <a:off x="360000" y="360000"/>
-            <a:ext cx="8459640" cy="4499640"/>
+            <a:ext cx="8459280" cy="4499280"/>
           </a:xfrm>
           <a:prstGeom prst="rect">
             <a:avLst/>
@@ -2183,7 +2440,7 @@
             <a:normAutofit/>
           </a:bodyPr>
           <a:p>
-            <a:pPr marL="432000" indent="-323640">
+            <a:pPr marL="432000" indent="-323280">
               <a:lnSpc>
                 <a:spcPct val="100000"/>
               </a:lnSpc>
@@ -2199,7 +2456,11 @@
             </a:pPr>
             <a:r>
               <a:rPr b="0" lang="ru-RU" sz="2400" spc="-1" strike="noStrike">
-                <a:latin typeface="Arial"/>
+                <a:solidFill>
+                  <a:srgbClr val="000000"/>
+                </a:solidFill>
+                <a:latin typeface="Arial"/>
+                <a:ea typeface="DejaVu Sans"/>
               </a:rPr>
               <a:t>Чем отличаются 3 команды ниже и какой из способов написания верный:</a:t>
             </a:r>
@@ -2208,7 +2469,7 @@
             </a:endParaRPr>
           </a:p>
           <a:p>
-            <a:pPr marL="432000" indent="-323640">
+            <a:pPr marL="432000" indent="-323280">
               <a:lnSpc>
                 <a:spcPct val="100000"/>
               </a:lnSpc>
@@ -2224,7 +2485,11 @@
             </a:pPr>
             <a:r>
               <a:rPr b="0" lang="ru-RU" sz="2400" spc="-1" strike="noStrike">
-                <a:latin typeface="Arial"/>
+                <a:solidFill>
+                  <a:srgbClr val="000000"/>
+                </a:solidFill>
+                <a:latin typeface="Arial"/>
+                <a:ea typeface="DejaVu Sans"/>
               </a:rPr>
               <a:t>echo $MY_ENV</a:t>
             </a:r>
@@ -2233,7 +2498,7 @@
             </a:endParaRPr>
           </a:p>
           <a:p>
-            <a:pPr marL="432000" indent="-323640">
+            <a:pPr marL="432000" indent="-323280">
               <a:lnSpc>
                 <a:spcPct val="100000"/>
               </a:lnSpc>
@@ -2249,7 +2514,11 @@
             </a:pPr>
             <a:r>
               <a:rPr b="0" lang="ru-RU" sz="2400" spc="-1" strike="noStrike">
-                <a:latin typeface="Arial"/>
+                <a:solidFill>
+                  <a:srgbClr val="000000"/>
+                </a:solidFill>
+                <a:latin typeface="Arial"/>
+                <a:ea typeface="DejaVu Sans"/>
               </a:rPr>
               <a:t>echo "$MY_ENV"</a:t>
             </a:r>
@@ -2258,7 +2527,7 @@
             </a:endParaRPr>
           </a:p>
           <a:p>
-            <a:pPr marL="432000" indent="-323640">
+            <a:pPr marL="432000" indent="-323280">
               <a:lnSpc>
                 <a:spcPct val="100000"/>
               </a:lnSpc>
@@ -2274,7 +2543,11 @@
             </a:pPr>
             <a:r>
               <a:rPr b="0" lang="ru-RU" sz="2400" spc="-1" strike="noStrike">
-                <a:latin typeface="Arial"/>
+                <a:solidFill>
+                  <a:srgbClr val="000000"/>
+                </a:solidFill>
+                <a:latin typeface="Arial"/>
+                <a:ea typeface="DejaVu Sans"/>
               </a:rPr>
               <a:t>echo "${MY_ENV}"</a:t>
             </a:r>
@@ -2296,7 +2569,7 @@
             </a:endParaRPr>
           </a:p>
           <a:p>
-            <a:pPr marL="432000" indent="-323640">
+            <a:pPr marL="432000" indent="-323280">
               <a:lnSpc>
                 <a:spcPct val="100000"/>
               </a:lnSpc>
@@ -2312,7 +2585,11 @@
             </a:pPr>
             <a:r>
               <a:rPr b="0" lang="ru-RU" sz="2400" spc="-1" strike="noStrike">
-                <a:latin typeface="Arial"/>
+                <a:solidFill>
+                  <a:srgbClr val="000000"/>
+                </a:solidFill>
+                <a:latin typeface="Arial"/>
+                <a:ea typeface="DejaVu Sans"/>
               </a:rPr>
               <a:t>Чем отличаются 3 команды ниже:</a:t>
             </a:r>
@@ -2321,7 +2598,7 @@
             </a:endParaRPr>
           </a:p>
           <a:p>
-            <a:pPr marL="432000" indent="-323640">
+            <a:pPr marL="432000" indent="-323280">
               <a:lnSpc>
                 <a:spcPct val="100000"/>
               </a:lnSpc>
@@ -2351,6 +2628,9 @@
             </a:pPr>
             <a:r>
               <a:rPr b="0" lang="ru-RU" sz="2200" spc="-1" strike="noStrike">
+                <a:solidFill>
+                  <a:srgbClr val="000000"/>
+                </a:solidFill>
                 <a:latin typeface="Arial"/>
                 <a:ea typeface="HelveticaNeue"/>
               </a:rPr>
@@ -2361,7 +2641,7 @@
             </a:endParaRPr>
           </a:p>
           <a:p>
-            <a:pPr marL="432000" indent="-323640">
+            <a:pPr marL="432000" indent="-323280">
               <a:lnSpc>
                 <a:spcPct val="100000"/>
               </a:lnSpc>
@@ -2391,6 +2671,9 @@
             </a:pPr>
             <a:r>
               <a:rPr b="0" lang="ru-RU" sz="2200" spc="-1" strike="noStrike">
+                <a:solidFill>
+                  <a:srgbClr val="000000"/>
+                </a:solidFill>
                 <a:latin typeface="Arial"/>
                 <a:ea typeface="HelveticaNeue"/>
               </a:rPr>
@@ -2401,7 +2684,7 @@
             </a:endParaRPr>
           </a:p>
           <a:p>
-            <a:pPr marL="432000" indent="-323640">
+            <a:pPr marL="432000" indent="-323280">
               <a:lnSpc>
                 <a:spcPct val="100000"/>
               </a:lnSpc>
@@ -2431,6 +2714,9 @@
             </a:pPr>
             <a:r>
               <a:rPr b="0" lang="ru-RU" sz="2200" spc="-1" strike="noStrike">
+                <a:solidFill>
+                  <a:srgbClr val="000000"/>
+                </a:solidFill>
                 <a:latin typeface="Arial"/>
                 <a:ea typeface="HelveticaNeue"/>
               </a:rPr>
@@ -2532,7 +2818,7 @@
         <p:spPr>
           <a:xfrm>
             <a:off x="360000" y="1260000"/>
-            <a:ext cx="8999640" cy="3239640"/>
+            <a:ext cx="8999280" cy="3239280"/>
           </a:xfrm>
           <a:prstGeom prst="rect">
             <a:avLst/>
@@ -2553,7 +2839,7 @@
             <a:normAutofit/>
           </a:bodyPr>
           <a:p>
-            <a:pPr marL="432000" indent="-323640">
+            <a:pPr marL="432000" indent="-323280">
               <a:lnSpc>
                 <a:spcPct val="100000"/>
               </a:lnSpc>
@@ -2569,7 +2855,11 @@
             </a:pPr>
             <a:r>
               <a:rPr b="0" lang="ru-RU" sz="2400" spc="-1" strike="noStrike">
-                <a:latin typeface="Arial"/>
+                <a:solidFill>
+                  <a:srgbClr val="000000"/>
+                </a:solidFill>
+                <a:latin typeface="Arial"/>
+                <a:ea typeface="DejaVu Sans"/>
               </a:rPr>
               <a:t>Опишите, что выведет данная команда в консоль Linux:</a:t>
             </a:r>
@@ -2578,7 +2868,7 @@
             </a:endParaRPr>
           </a:p>
           <a:p>
-            <a:pPr marL="432000" indent="-323640">
+            <a:pPr marL="432000" indent="-323280">
               <a:lnSpc>
                 <a:spcPct val="100000"/>
               </a:lnSpc>
@@ -2598,6 +2888,7 @@
                   <a:srgbClr val="800080"/>
                 </a:solidFill>
                 <a:latin typeface="Arial"/>
+                <a:ea typeface="DejaVu Sans"/>
               </a:rPr>
               <a:t>grep -C 100 "2021-02-12" application.log</a:t>
             </a:r>
@@ -2693,7 +2984,7 @@
         <p:spPr>
           <a:xfrm>
             <a:off x="540000" y="945000"/>
-            <a:ext cx="8820000" cy="3735000"/>
+            <a:ext cx="8819640" cy="3734640"/>
           </a:xfrm>
           <a:prstGeom prst="rect">
             <a:avLst/>
@@ -2706,13 +2997,13 @@
       <p:sp>
         <p:nvSpPr>
           <p:cNvPr id="47" name=""/>
-          <p:cNvSpPr txBox="1"/>
+          <p:cNvSpPr/>
           <p:nvPr/>
         </p:nvSpPr>
         <p:spPr>
           <a:xfrm>
             <a:off x="183960" y="373680"/>
-            <a:ext cx="8636040" cy="346320"/>
+            <a:ext cx="8635680" cy="345960"/>
           </a:xfrm>
           <a:prstGeom prst="rect">
             <a:avLst/>
@@ -2722,11 +3013,22 @@
             <a:noFill/>
           </a:ln>
         </p:spPr>
+        <p:style>
+          <a:lnRef idx="0"/>
+          <a:fillRef idx="0"/>
+          <a:effectRef idx="0"/>
+          <a:fontRef idx="minor"/>
+        </p:style>
         <p:txBody>
           <a:bodyPr lIns="90000" rIns="90000" tIns="45000" bIns="45000">
             <a:noAutofit/>
           </a:bodyPr>
           <a:p>
+            <a:pPr>
+              <a:lnSpc>
+                <a:spcPct val="100000"/>
+              </a:lnSpc>
+            </a:pPr>
             <a:r>
               <a:rPr b="0" lang="ru-RU" sz="1800" spc="-1" strike="noStrike">
                 <a:latin typeface="Arial"/>
@@ -2772,13 +3074,13 @@
       <p:sp>
         <p:nvSpPr>
           <p:cNvPr id="48" name=""/>
-          <p:cNvSpPr txBox="1"/>
+          <p:cNvSpPr/>
           <p:nvPr/>
         </p:nvSpPr>
         <p:spPr>
           <a:xfrm>
-            <a:off x="197280" y="180360"/>
-            <a:ext cx="8622720" cy="5039640"/>
+            <a:off x="1997280" y="1080000"/>
+            <a:ext cx="5922720" cy="2879640"/>
           </a:xfrm>
           <a:prstGeom prst="rect">
             <a:avLst/>
@@ -2788,35 +3090,37 @@
             <a:noFill/>
           </a:ln>
         </p:spPr>
+        <p:style>
+          <a:lnRef idx="0"/>
+          <a:fillRef idx="0"/>
+          <a:effectRef idx="0"/>
+          <a:fontRef idx="minor"/>
+        </p:style>
         <p:txBody>
           <a:bodyPr lIns="0" rIns="0" tIns="0" bIns="0">
-            <a:normAutofit/>
-          </a:bodyPr>
-          <a:p>
+            <a:normAutofit fontScale="88000"/>
+          </a:bodyPr>
+          <a:p>
+            <a:pPr>
+              <a:lnSpc>
+                <a:spcPct val="100000"/>
+              </a:lnSpc>
+            </a:pPr>
             <a:r>
               <a:rPr b="0" lang="ru-RU" sz="1600" spc="-1" strike="noStrike">
                 <a:latin typeface="Arial"/>
               </a:rPr>
-              <a:t>Выберите все CSS-</a:t>
-            </a:r>
-            <a:r>
-              <a:rPr b="0" lang="ru-RU" sz="1600" spc="-1" strike="noStrike">
-                <a:latin typeface="Arial"/>
-              </a:rPr>
-              <a:t>селекторы для поиска </a:t>
-            </a:r>
-            <a:r>
-              <a:rPr b="0" lang="ru-RU" sz="1600" spc="-1" strike="noStrike">
-                <a:latin typeface="Arial"/>
-              </a:rPr>
-              <a:t>по id</a:t>
+              <a:t>Выберите все CSS-селекторы для поиска по id</a:t>
             </a:r>
             <a:endParaRPr b="0" lang="ru-RU" sz="1600" spc="-1" strike="noStrike">
               <a:latin typeface="Arial"/>
             </a:endParaRPr>
           </a:p>
           <a:p>
-            <a:pPr marL="432000" indent="-324000">
+            <a:pPr marL="432000" indent="-323640">
+              <a:lnSpc>
+                <a:spcPct val="100000"/>
+              </a:lnSpc>
               <a:spcBef>
                 <a:spcPts val="1417"/>
               </a:spcBef>
@@ -2830,20 +3134,17 @@
               <a:rPr b="0" lang="ru-RU" sz="1600" spc="-1" strike="noStrike">
                 <a:latin typeface="Arial"/>
               </a:rPr>
-              <a:t>[name="main-</a:t>
-            </a:r>
-            <a:r>
-              <a:rPr b="0" lang="ru-RU" sz="1600" spc="-1" strike="noStrike">
-                <a:latin typeface="Arial"/>
-              </a:rPr>
-              <a:t>content"]</a:t>
+              <a:t>[name="main-content"]</a:t>
             </a:r>
             <a:endParaRPr b="0" lang="ru-RU" sz="1600" spc="-1" strike="noStrike">
               <a:latin typeface="Arial"/>
             </a:endParaRPr>
           </a:p>
           <a:p>
-            <a:pPr marL="432000" indent="-324000">
+            <a:pPr marL="432000" indent="-323640">
+              <a:lnSpc>
+                <a:spcPct val="100000"/>
+              </a:lnSpc>
               <a:spcBef>
                 <a:spcPts val="1417"/>
               </a:spcBef>
@@ -2864,7 +3165,10 @@
             </a:endParaRPr>
           </a:p>
           <a:p>
-            <a:pPr marL="432000" indent="-324000">
+            <a:pPr marL="432000" indent="-323640">
+              <a:lnSpc>
+                <a:spcPct val="100000"/>
+              </a:lnSpc>
               <a:spcBef>
                 <a:spcPts val="1417"/>
               </a:spcBef>
@@ -2885,7 +3189,10 @@
             </a:endParaRPr>
           </a:p>
           <a:p>
-            <a:pPr marL="432000" indent="-324000">
+            <a:pPr marL="432000" indent="-323640">
+              <a:lnSpc>
+                <a:spcPct val="100000"/>
+              </a:lnSpc>
               <a:spcBef>
                 <a:spcPts val="1417"/>
               </a:spcBef>
@@ -2906,28 +3213,57 @@
             </a:endParaRPr>
           </a:p>
           <a:p>
+            <a:pPr marL="432000" indent="-323640">
+              <a:lnSpc>
+                <a:spcPct val="100000"/>
+              </a:lnSpc>
+              <a:spcBef>
+                <a:spcPts val="1417"/>
+              </a:spcBef>
+              <a:buClr>
+                <a:srgbClr val="000000"/>
+              </a:buClr>
+              <a:buFont typeface="StarSymbol"/>
+              <a:buAutoNum type="arabicParenR"/>
+            </a:pPr>
             <a:endParaRPr b="0" lang="ru-RU" sz="1600" spc="-1" strike="noStrike">
               <a:latin typeface="Arial"/>
             </a:endParaRPr>
           </a:p>
           <a:p>
+            <a:pPr>
+              <a:lnSpc>
+                <a:spcPct val="100000"/>
+              </a:lnSpc>
+              <a:spcBef>
+                <a:spcPts val="1417"/>
+              </a:spcBef>
+            </a:pPr>
+            <a:endParaRPr b="0" lang="ru-RU" sz="1600" spc="-1" strike="noStrike">
+              <a:latin typeface="Arial"/>
+            </a:endParaRPr>
+          </a:p>
+          <a:p>
+            <a:pPr>
+              <a:lnSpc>
+                <a:spcPct val="100000"/>
+              </a:lnSpc>
+            </a:pPr>
+            <a:endParaRPr b="0" lang="ru-RU" sz="1600" spc="-1" strike="noStrike">
+              <a:latin typeface="Arial"/>
+            </a:endParaRPr>
+          </a:p>
+          <a:p>
+            <a:pPr>
+              <a:lnSpc>
+                <a:spcPct val="100000"/>
+              </a:lnSpc>
+            </a:pPr>
             <a:r>
               <a:rPr b="0" lang="ru-RU" sz="1600" spc="-1" strike="noStrike">
                 <a:latin typeface="Arial"/>
               </a:rPr>
-              <a:t>Что делает XPath-</a:t>
-            </a:r>
-            <a:r>
-              <a:rPr b="0" lang="ru-RU" sz="1600" spc="-1" strike="noStrike">
-                <a:latin typeface="Arial"/>
-              </a:rPr>
-              <a:t>запрос </a:t>
-            </a:r>
-            <a:r>
-              <a:rPr b="0" lang="ru-RU" sz="1600" spc="-1" strike="noStrike">
-                <a:latin typeface="Arial"/>
-              </a:rPr>
-              <a:t>//div[@class='main']?</a:t>
+              <a:t>Что делает XPath-запрос //div[@class='main']?</a:t>
             </a:r>
             <a:endParaRPr b="0" lang="ru-RU" sz="1600" spc="-1" strike="noStrike">
               <a:latin typeface="Arial"/>
@@ -2973,8 +3309,8 @@
         </p:nvSpPr>
         <p:spPr>
           <a:xfrm>
-            <a:off x="900000" y="900360"/>
-            <a:ext cx="7560000" cy="2699640"/>
+            <a:off x="2014560" y="720720"/>
+            <a:ext cx="5005440" cy="3959280"/>
           </a:xfrm>
           <a:prstGeom prst="rect">
             <a:avLst/>
@@ -2986,116 +3322,108 @@
         </p:spPr>
         <p:txBody>
           <a:bodyPr lIns="0" rIns="0" tIns="0" bIns="0">
-            <a:normAutofit fontScale="24000"/>
-          </a:bodyPr>
-          <a:p>
-            <a:r>
-              <a:rPr b="0" lang="ru-RU" sz="3200" spc="-1" strike="noStrike">
-                <a:latin typeface="Arial"/>
-              </a:rPr>
-              <a:t>Напишите команду PyTest, которая: </a:t>
-            </a:r>
-            <a:endParaRPr b="0" lang="ru-RU" sz="3200" spc="-1" strike="noStrike">
-              <a:latin typeface="Arial"/>
-            </a:endParaRPr>
-          </a:p>
-          <a:p>
-            <a:pPr marL="432000" indent="-324000">
-              <a:spcBef>
-                <a:spcPts val="1417"/>
-              </a:spcBef>
-              <a:buClr>
-                <a:srgbClr val="000000"/>
-              </a:buClr>
-              <a:buSzPct val="45000"/>
-              <a:buFont typeface="Wingdings" charset="2"/>
-              <a:buChar char=""/>
-            </a:pPr>
-            <a:r>
-              <a:rPr b="0" lang="ru-RU" sz="3200" spc="-1" strike="noStrike">
-                <a:latin typeface="Arial"/>
-              </a:rPr>
-              <a:t>запустит тесты с меткой smoke</a:t>
-            </a:r>
-            <a:endParaRPr b="0" lang="ru-RU" sz="3200" spc="-1" strike="noStrike">
-              <a:latin typeface="Arial"/>
-            </a:endParaRPr>
-          </a:p>
-          <a:p>
-            <a:pPr marL="432000" indent="-324000">
-              <a:spcBef>
-                <a:spcPts val="1417"/>
-              </a:spcBef>
-              <a:buClr>
-                <a:srgbClr val="000000"/>
-              </a:buClr>
-              <a:buSzPct val="45000"/>
-              <a:buFont typeface="Wingdings" charset="2"/>
-              <a:buChar char=""/>
-            </a:pPr>
-            <a:r>
-              <a:rPr b="0" lang="ru-RU" sz="3200" spc="-1" strike="noStrike">
-                <a:latin typeface="Arial"/>
-              </a:rPr>
-              <a:t>запустит тесты с меткой regression</a:t>
-            </a:r>
-            <a:endParaRPr b="0" lang="ru-RU" sz="3200" spc="-1" strike="noStrike">
-              <a:latin typeface="Arial"/>
-            </a:endParaRPr>
-          </a:p>
-          <a:p>
-            <a:pPr marL="432000" indent="-324000">
-              <a:spcBef>
-                <a:spcPts val="1417"/>
-              </a:spcBef>
-              <a:buClr>
-                <a:srgbClr val="000000"/>
-              </a:buClr>
-              <a:buSzPct val="45000"/>
-              <a:buFont typeface="Wingdings" charset="2"/>
-              <a:buChar char=""/>
-            </a:pPr>
-            <a:r>
-              <a:rPr b="0" lang="ru-RU" sz="3200" spc="-1" strike="noStrike">
-                <a:latin typeface="Arial"/>
-              </a:rPr>
-              <a:t>укажет, что использовать нужно браузер firefox с помощью параметра browser_name (имя браузера без кавычек)</a:t>
-            </a:r>
-            <a:endParaRPr b="0" lang="ru-RU" sz="3200" spc="-1" strike="noStrike">
-              <a:latin typeface="Arial"/>
-            </a:endParaRPr>
-          </a:p>
-          <a:p>
-            <a:pPr marL="432000" indent="-324000">
-              <a:spcBef>
-                <a:spcPts val="1417"/>
-              </a:spcBef>
-              <a:buClr>
-                <a:srgbClr val="000000"/>
-              </a:buClr>
-              <a:buSzPct val="45000"/>
-              <a:buFont typeface="Wingdings" charset="2"/>
-              <a:buChar char=""/>
-            </a:pPr>
-            <a:r>
-              <a:rPr b="0" lang="ru-RU" sz="3200" spc="-1" strike="noStrike">
-                <a:latin typeface="Arial"/>
-              </a:rPr>
-              <a:t>тесты должны быть из файла test_login.py.      </a:t>
-            </a:r>
-            <a:endParaRPr b="0" lang="ru-RU" sz="3200" spc="-1" strike="noStrike">
-              <a:latin typeface="Arial"/>
-            </a:endParaRPr>
-          </a:p>
-          <a:p>
-            <a:r>
-              <a:rPr b="0" lang="ru-RU" sz="3200" spc="-1" strike="noStrike">
-                <a:latin typeface="Arial"/>
-              </a:rPr>
-              <a:t>При написании придерживаться последовательности параметров приведенному выше списку. Никакие другие флаги не нужны. </a:t>
-            </a:r>
-            <a:endParaRPr b="0" lang="ru-RU" sz="3200" spc="-1" strike="noStrike">
-              <a:latin typeface="Arial"/>
+            <a:normAutofit/>
+          </a:bodyPr>
+          <a:p>
+            <a:r>
+              <a:rPr b="0" lang="ru-RU" sz="1800" spc="-1" strike="noStrike">
+                <a:latin typeface="HelveticaNeue"/>
+              </a:rPr>
+              <a:t>Что </a:t>
+            </a:r>
+            <a:r>
+              <a:rPr b="0" lang="ru-RU" sz="1800" spc="-1" strike="noStrike">
+                <a:latin typeface="HelveticaNeue"/>
+              </a:rPr>
+              <a:t>вернет </a:t>
+            </a:r>
+            <a:r>
+              <a:rPr b="0" lang="ru-RU" sz="1800" spc="-1" strike="noStrike">
+                <a:latin typeface="HelveticaNeue"/>
+              </a:rPr>
+              <a:t>данный </a:t>
+            </a:r>
+            <a:r>
+              <a:rPr b="0" lang="ru-RU" sz="1800" spc="-1" strike="noStrike">
+                <a:latin typeface="HelveticaNeue"/>
+              </a:rPr>
+              <a:t>код </a:t>
+            </a:r>
+            <a:r>
+              <a:rPr b="0" lang="ru-RU" sz="1800" spc="-1" strike="noStrike">
+                <a:latin typeface="HelveticaNeue"/>
+              </a:rPr>
+              <a:t>ниже?</a:t>
+            </a:r>
+            <a:endParaRPr b="0" lang="ru-RU" sz="1800" spc="-1" strike="noStrike">
+              <a:latin typeface="HelveticaNeue"/>
+              <a:ea typeface="HelveticaNeue"/>
+            </a:endParaRPr>
+          </a:p>
+          <a:p>
+            <a:endParaRPr b="0" lang="ru-RU" sz="1800" spc="-1" strike="noStrike">
+              <a:latin typeface="HelveticaNeue"/>
+              <a:ea typeface="HelveticaNeue"/>
+            </a:endParaRPr>
+          </a:p>
+          <a:p>
+            <a:r>
+              <a:rPr b="0" lang="ru-RU" sz="1800" spc="-1" strike="noStrike">
+                <a:latin typeface="HelveticaNeue"/>
+              </a:rPr>
+              <a:t>x = </a:t>
+            </a:r>
+            <a:r>
+              <a:rPr b="0" lang="ru-RU" sz="1800" spc="-1" strike="noStrike">
+                <a:latin typeface="HelveticaNeue"/>
+              </a:rPr>
+              <a:t>input("Вв</a:t>
+            </a:r>
+            <a:r>
+              <a:rPr b="0" lang="ru-RU" sz="1800" spc="-1" strike="noStrike">
+                <a:latin typeface="HelveticaNeue"/>
+              </a:rPr>
+              <a:t>едите </a:t>
+            </a:r>
+            <a:r>
+              <a:rPr b="0" lang="ru-RU" sz="1800" spc="-1" strike="noStrike">
+                <a:latin typeface="HelveticaNeue"/>
+              </a:rPr>
+              <a:t>любое </a:t>
+            </a:r>
+            <a:r>
+              <a:rPr b="0" lang="ru-RU" sz="1800" spc="-1" strike="noStrike">
+                <a:latin typeface="HelveticaNeue"/>
+              </a:rPr>
+              <a:t>число: ")</a:t>
+            </a:r>
+            <a:endParaRPr b="0" lang="ru-RU" sz="1800" spc="-1" strike="noStrike">
+              <a:latin typeface="HelveticaNeue"/>
+              <a:ea typeface="HelveticaNeue"/>
+            </a:endParaRPr>
+          </a:p>
+          <a:p>
+            <a:r>
+              <a:rPr b="0" lang="ru-RU" sz="1800" spc="-1" strike="noStrike">
+                <a:latin typeface="HelveticaNeue"/>
+              </a:rPr>
+              <a:t>x += 1</a:t>
+            </a:r>
+            <a:endParaRPr b="0" lang="ru-RU" sz="1800" spc="-1" strike="noStrike">
+              <a:latin typeface="HelveticaNeue"/>
+              <a:ea typeface="HelveticaNeue"/>
+            </a:endParaRPr>
+          </a:p>
+          <a:p>
+            <a:r>
+              <a:rPr b="0" lang="ru-RU" sz="1800" spc="-1" strike="noStrike">
+                <a:latin typeface="HelveticaNeue"/>
+              </a:rPr>
+              <a:t>print(x)</a:t>
+            </a:r>
+            <a:endParaRPr b="0" lang="ru-RU" sz="1800" spc="-1" strike="noStrike">
+              <a:latin typeface="HelveticaNeue"/>
+              <a:ea typeface="HelveticaNeue"/>
             </a:endParaRPr>
           </a:p>
         </p:txBody>
@@ -3133,13 +3461,13 @@
       <p:sp>
         <p:nvSpPr>
           <p:cNvPr id="50" name=""/>
-          <p:cNvSpPr txBox="1"/>
+          <p:cNvSpPr/>
           <p:nvPr/>
         </p:nvSpPr>
         <p:spPr>
           <a:xfrm>
-            <a:off x="180000" y="180000"/>
-            <a:ext cx="8640000" cy="3960000"/>
+            <a:off x="900000" y="900360"/>
+            <a:ext cx="7559640" cy="2699280"/>
           </a:xfrm>
           <a:prstGeom prst="rect">
             <a:avLst/>
@@ -3149,12 +3477,37 @@
             <a:noFill/>
           </a:ln>
         </p:spPr>
+        <p:style>
+          <a:lnRef idx="0"/>
+          <a:fillRef idx="0"/>
+          <a:effectRef idx="0"/>
+          <a:fontRef idx="minor"/>
+        </p:style>
         <p:txBody>
           <a:bodyPr lIns="0" rIns="0" tIns="0" bIns="0">
-            <a:normAutofit/>
-          </a:bodyPr>
-          <a:p>
-            <a:pPr marL="432000" indent="-324000">
+            <a:normAutofit fontScale="22000"/>
+          </a:bodyPr>
+          <a:p>
+            <a:pPr>
+              <a:lnSpc>
+                <a:spcPct val="100000"/>
+              </a:lnSpc>
+            </a:pPr>
+            <a:r>
+              <a:rPr b="0" lang="ru-RU" sz="3200" spc="-1" strike="noStrike">
+                <a:latin typeface="Arial"/>
+              </a:rPr>
+              <a:t>Напишите команду PyTest, которая: </a:t>
+            </a:r>
+            <a:endParaRPr b="0" lang="ru-RU" sz="3200" spc="-1" strike="noStrike">
+              <a:latin typeface="Arial"/>
+            </a:endParaRPr>
+          </a:p>
+          <a:p>
+            <a:pPr marL="432000" indent="-323640">
+              <a:lnSpc>
+                <a:spcPct val="100000"/>
+              </a:lnSpc>
               <a:spcBef>
                 <a:spcPts val="1417"/>
               </a:spcBef>
@@ -3169,14 +3522,17 @@
               <a:rPr b="0" lang="ru-RU" sz="3200" spc="-1" strike="noStrike">
                 <a:latin typeface="Arial"/>
               </a:rPr>
-              <a:t>Какой код корректно откроет веб-страницу http://example.com в Google Chrome?</a:t>
+              <a:t>запустит тесты с меткой smoke</a:t>
             </a:r>
             <a:endParaRPr b="0" lang="ru-RU" sz="3200" spc="-1" strike="noStrike">
               <a:latin typeface="Arial"/>
             </a:endParaRPr>
           </a:p>
           <a:p>
-            <a:pPr marL="432000" indent="-324000">
+            <a:pPr marL="432000" indent="-323640">
+              <a:lnSpc>
+                <a:spcPct val="100000"/>
+              </a:lnSpc>
               <a:spcBef>
                 <a:spcPts val="1417"/>
               </a:spcBef>
@@ -3187,6 +3543,187 @@
               <a:buFont typeface="Wingdings" charset="2"/>
               <a:buChar char=""/>
             </a:pPr>
+            <a:r>
+              <a:rPr b="0" lang="ru-RU" sz="3200" spc="-1" strike="noStrike">
+                <a:latin typeface="Arial"/>
+              </a:rPr>
+              <a:t>запустит тесты с меткой regression</a:t>
+            </a:r>
+            <a:endParaRPr b="0" lang="ru-RU" sz="3200" spc="-1" strike="noStrike">
+              <a:latin typeface="Arial"/>
+            </a:endParaRPr>
+          </a:p>
+          <a:p>
+            <a:pPr marL="432000" indent="-323640">
+              <a:lnSpc>
+                <a:spcPct val="100000"/>
+              </a:lnSpc>
+              <a:spcBef>
+                <a:spcPts val="1417"/>
+              </a:spcBef>
+              <a:buClr>
+                <a:srgbClr val="000000"/>
+              </a:buClr>
+              <a:buSzPct val="45000"/>
+              <a:buFont typeface="Wingdings" charset="2"/>
+              <a:buChar char=""/>
+            </a:pPr>
+            <a:r>
+              <a:rPr b="0" lang="ru-RU" sz="3200" spc="-1" strike="noStrike">
+                <a:latin typeface="Arial"/>
+              </a:rPr>
+              <a:t>укажет, что использовать нужно браузер firefox с помощью параметра browser_name (имя браузера без кавычек)</a:t>
+            </a:r>
+            <a:endParaRPr b="0" lang="ru-RU" sz="3200" spc="-1" strike="noStrike">
+              <a:latin typeface="Arial"/>
+            </a:endParaRPr>
+          </a:p>
+          <a:p>
+            <a:pPr marL="432000" indent="-323640">
+              <a:lnSpc>
+                <a:spcPct val="100000"/>
+              </a:lnSpc>
+              <a:spcBef>
+                <a:spcPts val="1417"/>
+              </a:spcBef>
+              <a:buClr>
+                <a:srgbClr val="000000"/>
+              </a:buClr>
+              <a:buSzPct val="45000"/>
+              <a:buFont typeface="Wingdings" charset="2"/>
+              <a:buChar char=""/>
+            </a:pPr>
+            <a:r>
+              <a:rPr b="0" lang="ru-RU" sz="3200" spc="-1" strike="noStrike">
+                <a:latin typeface="Arial"/>
+              </a:rPr>
+              <a:t>тесты должны быть из файла test_login.py.      </a:t>
+            </a:r>
+            <a:endParaRPr b="0" lang="ru-RU" sz="3200" spc="-1" strike="noStrike">
+              <a:latin typeface="Arial"/>
+            </a:endParaRPr>
+          </a:p>
+          <a:p>
+            <a:pPr>
+              <a:lnSpc>
+                <a:spcPct val="100000"/>
+              </a:lnSpc>
+            </a:pPr>
+            <a:endParaRPr b="0" lang="ru-RU" sz="3200" spc="-1" strike="noStrike">
+              <a:latin typeface="Arial"/>
+            </a:endParaRPr>
+          </a:p>
+          <a:p>
+            <a:pPr>
+              <a:lnSpc>
+                <a:spcPct val="100000"/>
+              </a:lnSpc>
+            </a:pPr>
+            <a:r>
+              <a:rPr b="0" lang="ru-RU" sz="3200" spc="-1" strike="noStrike">
+                <a:latin typeface="Arial"/>
+              </a:rPr>
+              <a:t>При написании придерживаться последовательности параметров приведенному выше списку. Никакие другие флаги не нужны. </a:t>
+            </a:r>
+            <a:endParaRPr b="0" lang="ru-RU" sz="3200" spc="-1" strike="noStrike">
+              <a:latin typeface="Arial"/>
+            </a:endParaRPr>
+          </a:p>
+        </p:txBody>
+      </p:sp>
+    </p:spTree>
+  </p:cSld>
+  <mc:AlternateContent>
+    <mc:Choice Requires="p14">
+      <p:transition spd="slow" p14:dur="2000"/>
+    </mc:Choice>
+    <mc:Fallback>
+      <p:transition spd="slow"/>
+    </mc:Fallback>
+  </mc:AlternateContent>
+</p:sld>
+</file>
+
+<file path=ppt/slides/slide8.xml><?xml version="1.0" encoding="utf-8"?>
+<p:sld xmlns:a="http://schemas.openxmlformats.org/drawingml/2006/main" xmlns:p="http://schemas.openxmlformats.org/presentationml/2006/main" xmlns:r="http://schemas.openxmlformats.org/officeDocument/2006/relationships" xmlns:p14="http://schemas.microsoft.com/office/powerpoint/2010/main" xmlns:p15="http://schemas.microsoft.com/office/powerpoint/2012/main" xmlns:mc="http://schemas.openxmlformats.org/markup-compatibility/2006">
+  <p:cSld>
+    <p:spTree>
+      <p:nvGrpSpPr>
+        <p:cNvPr id="1" name=""/>
+        <p:cNvGrpSpPr/>
+        <p:nvPr/>
+      </p:nvGrpSpPr>
+      <p:grpSpPr>
+        <a:xfrm>
+          <a:off x="0" y="0"/>
+          <a:ext cx="0" cy="0"/>
+          <a:chOff x="0" y="0"/>
+          <a:chExt cx="0" cy="0"/>
+        </a:xfrm>
+      </p:grpSpPr>
+      <p:sp>
+        <p:nvSpPr>
+          <p:cNvPr id="51" name=""/>
+          <p:cNvSpPr/>
+          <p:nvPr/>
+        </p:nvSpPr>
+        <p:spPr>
+          <a:xfrm>
+            <a:off x="180000" y="180000"/>
+            <a:ext cx="8639640" cy="3959640"/>
+          </a:xfrm>
+          <a:prstGeom prst="rect">
+            <a:avLst/>
+          </a:prstGeom>
+          <a:noFill/>
+          <a:ln w="0">
+            <a:noFill/>
+          </a:ln>
+        </p:spPr>
+        <p:style>
+          <a:lnRef idx="0"/>
+          <a:fillRef idx="0"/>
+          <a:effectRef idx="0"/>
+          <a:fontRef idx="minor"/>
+        </p:style>
+        <p:txBody>
+          <a:bodyPr lIns="0" rIns="0" tIns="0" bIns="0">
+            <a:normAutofit/>
+          </a:bodyPr>
+          <a:p>
+            <a:pPr marL="432000" indent="-323640">
+              <a:lnSpc>
+                <a:spcPct val="100000"/>
+              </a:lnSpc>
+              <a:spcBef>
+                <a:spcPts val="1417"/>
+              </a:spcBef>
+              <a:buClr>
+                <a:srgbClr val="000000"/>
+              </a:buClr>
+              <a:buSzPct val="45000"/>
+              <a:buFont typeface="Wingdings" charset="2"/>
+              <a:buChar char=""/>
+            </a:pPr>
+            <a:r>
+              <a:rPr b="0" lang="ru-RU" sz="3200" spc="-1" strike="noStrike">
+                <a:latin typeface="Arial"/>
+              </a:rPr>
+              <a:t>Какой код корректно откроет веб-страницу http://example.com в Google Chrome?</a:t>
+            </a:r>
+            <a:endParaRPr b="0" lang="ru-RU" sz="3200" spc="-1" strike="noStrike">
+              <a:latin typeface="Arial"/>
+            </a:endParaRPr>
+          </a:p>
+          <a:p>
+            <a:pPr>
+              <a:lnSpc>
+                <a:spcPct val="100000"/>
+              </a:lnSpc>
+              <a:spcBef>
+                <a:spcPts val="1417"/>
+              </a:spcBef>
+            </a:pPr>
             <a:endParaRPr b="0" lang="ru-RU" sz="3200" spc="-1" strike="noStrike">
               <a:latin typeface="Arial"/>
             </a:endParaRPr>
@@ -3195,13 +3732,13 @@
       </p:sp>
       <p:graphicFrame>
         <p:nvGraphicFramePr>
-          <p:cNvPr id="51" name=""/>
+          <p:cNvPr id="52" name=""/>
           <p:cNvGraphicFramePr/>
           <p:nvPr/>
         </p:nvGraphicFramePr>
         <p:xfrm>
-          <a:off x="442440" y="1293480"/>
-          <a:ext cx="8820000" cy="1837080"/>
+          <a:off x="600120" y="1744200"/>
+          <a:ext cx="8819640" cy="1439280"/>
         </p:xfrm>
         <a:graphic>
           <a:graphicData uri="http://schemas.openxmlformats.org/drawingml/2006/table">
@@ -3214,10 +3751,15 @@
               <a:tr h="719640">
                 <a:tc>
                   <a:txBody>
-                    <a:bodyPr lIns="90000" rIns="90000" tIns="46800" bIns="46800">
+                    <a:bodyPr lIns="90000" rIns="90000">
                       <a:noAutofit/>
                     </a:bodyPr>
                     <a:p>
+                      <a:pPr>
+                        <a:lnSpc>
+                          <a:spcPct val="100000"/>
+                        </a:lnSpc>
+                      </a:pPr>
                       <a:r>
                         <a:rPr b="0" lang="ru-RU" sz="1800" spc="-1" strike="noStrike">
                           <a:latin typeface="Arial"/>
@@ -3257,10 +3799,15 @@
                 </a:tc>
                 <a:tc>
                   <a:txBody>
-                    <a:bodyPr lIns="90000" rIns="90000" tIns="46800" bIns="46800">
+                    <a:bodyPr lIns="90000" rIns="90000">
                       <a:noAutofit/>
                     </a:bodyPr>
                     <a:p>
+                      <a:pPr>
+                        <a:lnSpc>
+                          <a:spcPct val="100000"/>
+                        </a:lnSpc>
+                      </a:pPr>
                       <a:r>
                         <a:rPr b="0" lang="ru-RU" sz="1800" spc="-1" strike="noStrike">
                           <a:latin typeface="Arial"/>
@@ -3302,10 +3849,15 @@
               <a:tr h="720000">
                 <a:tc>
                   <a:txBody>
-                    <a:bodyPr lIns="90000" rIns="90000" tIns="46800" bIns="46800">
+                    <a:bodyPr lIns="90000" rIns="90000">
                       <a:noAutofit/>
                     </a:bodyPr>
                     <a:p>
+                      <a:pPr>
+                        <a:lnSpc>
+                          <a:spcPct val="100000"/>
+                        </a:lnSpc>
+                      </a:pPr>
                       <a:r>
                         <a:rPr b="0" lang="ru-RU" sz="1800" spc="-1" strike="noStrike">
                           <a:latin typeface="Arial"/>
@@ -3317,6 +3869,11 @@
                       </a:endParaRPr>
                     </a:p>
                     <a:p>
+                      <a:pPr>
+                        <a:lnSpc>
+                          <a:spcPct val="100000"/>
+                        </a:lnSpc>
+                      </a:pPr>
                       <a:r>
                         <a:rPr b="0" lang="ru-RU" sz="1800" spc="-1" strike="noStrike">
                           <a:latin typeface="Arial"/>
@@ -3328,6 +3885,11 @@
                       </a:endParaRPr>
                     </a:p>
                     <a:p>
+                      <a:pPr>
+                        <a:lnSpc>
+                          <a:spcPct val="100000"/>
+                        </a:lnSpc>
+                      </a:pPr>
                       <a:r>
                         <a:rPr b="0" lang="ru-RU" sz="1800" spc="-1" strike="noStrike">
                           <a:latin typeface="Arial"/>
@@ -3367,10 +3929,15 @@
                 </a:tc>
                 <a:tc>
                   <a:txBody>
-                    <a:bodyPr lIns="90000" rIns="90000" tIns="46800" bIns="46800">
+                    <a:bodyPr lIns="90000" rIns="90000">
                       <a:noAutofit/>
                     </a:bodyPr>
                     <a:p>
+                      <a:pPr>
+                        <a:lnSpc>
+                          <a:spcPct val="100000"/>
+                        </a:lnSpc>
+                      </a:pPr>
                       <a:r>
                         <a:rPr b="0" lang="ru-RU" sz="1800" spc="-1" strike="noStrike">
                           <a:latin typeface="Arial"/>
@@ -3382,6 +3949,11 @@
                       </a:endParaRPr>
                     </a:p>
                     <a:p>
+                      <a:pPr>
+                        <a:lnSpc>
+                          <a:spcPct val="100000"/>
+                        </a:lnSpc>
+                      </a:pPr>
                       <a:r>
                         <a:rPr b="0" lang="ru-RU" sz="1800" spc="-1" strike="noStrike">
                           <a:latin typeface="Arial"/>
@@ -3393,6 +3965,11 @@
                       </a:endParaRPr>
                     </a:p>
                     <a:p>
+                      <a:pPr>
+                        <a:lnSpc>
+                          <a:spcPct val="100000"/>
+                        </a:lnSpc>
+                      </a:pPr>
                       <a:r>
                         <a:rPr b="0" lang="ru-RU" sz="1800" spc="-1" strike="noStrike">
                           <a:latin typeface="Arial"/>
@@ -3448,315 +4025,6 @@
 </p:sld>
 </file>
 
-<file path=ppt/slides/slide8.xml><?xml version="1.0" encoding="utf-8"?>
-<p:sld xmlns:a="http://schemas.openxmlformats.org/drawingml/2006/main" xmlns:p="http://schemas.openxmlformats.org/presentationml/2006/main" xmlns:r="http://schemas.openxmlformats.org/officeDocument/2006/relationships" xmlns:p14="http://schemas.microsoft.com/office/powerpoint/2010/main" xmlns:p15="http://schemas.microsoft.com/office/powerpoint/2012/main" xmlns:mc="http://schemas.openxmlformats.org/markup-compatibility/2006">
-  <p:cSld>
-    <p:spTree>
-      <p:nvGrpSpPr>
-        <p:cNvPr id="1" name=""/>
-        <p:cNvGrpSpPr/>
-        <p:nvPr/>
-      </p:nvGrpSpPr>
-      <p:grpSpPr>
-        <a:xfrm>
-          <a:off x="0" y="0"/>
-          <a:ext cx="0" cy="0"/>
-          <a:chOff x="0" y="0"/>
-          <a:chExt cx="0" cy="0"/>
-        </a:xfrm>
-      </p:grpSpPr>
-      <p:sp>
-        <p:nvSpPr>
-          <p:cNvPr id="52" name=""/>
-          <p:cNvSpPr/>
-          <p:nvPr/>
-        </p:nvSpPr>
-        <p:spPr>
-          <a:xfrm>
-            <a:off x="540000" y="180000"/>
-            <a:ext cx="8279640" cy="629640"/>
-          </a:xfrm>
-          <a:prstGeom prst="rect">
-            <a:avLst/>
-          </a:prstGeom>
-          <a:noFill/>
-          <a:ln w="0">
-            <a:noFill/>
-          </a:ln>
-        </p:spPr>
-        <p:style>
-          <a:lnRef idx="0"/>
-          <a:fillRef idx="0"/>
-          <a:effectRef idx="0"/>
-          <a:fontRef idx="minor"/>
-        </p:style>
-        <p:txBody>
-          <a:bodyPr lIns="0" rIns="0" tIns="0" bIns="0" anchor="ctr">
-            <a:noAutofit/>
-          </a:bodyPr>
-          <a:p>
-            <a:pPr algn="ctr">
-              <a:lnSpc>
-                <a:spcPct val="100000"/>
-              </a:lnSpc>
-            </a:pPr>
-            <a:r>
-              <a:rPr b="0" lang="ru-RU" sz="2700" spc="-1" strike="noStrike">
-                <a:solidFill>
-                  <a:srgbClr val="ff6600"/>
-                </a:solidFill>
-                <a:latin typeface="Arial"/>
-              </a:rPr>
-              <a:t>Формы регистрации</a:t>
-            </a:r>
-            <a:endParaRPr b="0" lang="ru-RU" sz="2700" spc="-1" strike="noStrike">
-              <a:latin typeface="Arial"/>
-            </a:endParaRPr>
-          </a:p>
-        </p:txBody>
-      </p:sp>
-      <p:sp>
-        <p:nvSpPr>
-          <p:cNvPr id="53" name=""/>
-          <p:cNvSpPr/>
-          <p:nvPr/>
-        </p:nvSpPr>
-        <p:spPr>
-          <a:xfrm>
-            <a:off x="4680000" y="900000"/>
-            <a:ext cx="5219640" cy="4319640"/>
-          </a:xfrm>
-          <a:prstGeom prst="rect">
-            <a:avLst/>
-          </a:prstGeom>
-          <a:noFill/>
-          <a:ln w="0">
-            <a:noFill/>
-          </a:ln>
-        </p:spPr>
-        <p:style>
-          <a:lnRef idx="0"/>
-          <a:fillRef idx="0"/>
-          <a:effectRef idx="0"/>
-          <a:fontRef idx="minor"/>
-        </p:style>
-        <p:txBody>
-          <a:bodyPr lIns="0" rIns="0" tIns="0" bIns="0">
-            <a:normAutofit fontScale="48000"/>
-          </a:bodyPr>
-          <a:p>
-            <a:pPr marL="432000" indent="-323640">
-              <a:lnSpc>
-                <a:spcPct val="100000"/>
-              </a:lnSpc>
-              <a:spcBef>
-                <a:spcPts val="1057"/>
-              </a:spcBef>
-              <a:buClr>
-                <a:srgbClr val="ff6600"/>
-              </a:buClr>
-              <a:buSzPct val="45000"/>
-              <a:buFont typeface="Wingdings" charset="2"/>
-              <a:buChar char=""/>
-            </a:pPr>
-            <a:r>
-              <a:rPr b="0" lang="ru-RU" sz="2400" spc="-1" strike="noStrike">
-                <a:latin typeface="Arial"/>
-              </a:rPr>
-              <a:t>Требования:</a:t>
-            </a:r>
-            <a:endParaRPr b="0" lang="ru-RU" sz="2400" spc="-1" strike="noStrike">
-              <a:latin typeface="Arial"/>
-            </a:endParaRPr>
-          </a:p>
-          <a:p>
-            <a:pPr marL="432000" indent="-323640">
-              <a:lnSpc>
-                <a:spcPct val="100000"/>
-              </a:lnSpc>
-              <a:spcBef>
-                <a:spcPts val="1057"/>
-              </a:spcBef>
-              <a:buClr>
-                <a:srgbClr val="ff6600"/>
-              </a:buClr>
-              <a:buSzPct val="45000"/>
-              <a:buFont typeface="Wingdings" charset="2"/>
-              <a:buChar char=""/>
-            </a:pPr>
-            <a:r>
-              <a:rPr b="0" lang="ru-RU" sz="2400" spc="-1" strike="noStrike">
-                <a:latin typeface="Arial"/>
-              </a:rPr>
-              <a:t>Логин:   Должен быть не менее 6 символов, включающих не менее одной цифры </a:t>
-            </a:r>
-            <a:endParaRPr b="0" lang="ru-RU" sz="2400" spc="-1" strike="noStrike">
-              <a:latin typeface="Arial"/>
-            </a:endParaRPr>
-          </a:p>
-          <a:p>
-            <a:pPr marL="432000" indent="-323640">
-              <a:lnSpc>
-                <a:spcPct val="100000"/>
-              </a:lnSpc>
-              <a:spcBef>
-                <a:spcPts val="1057"/>
-              </a:spcBef>
-              <a:buClr>
-                <a:srgbClr val="ff6600"/>
-              </a:buClr>
-              <a:buSzPct val="45000"/>
-              <a:buFont typeface="Wingdings" charset="2"/>
-              <a:buChar char=""/>
-            </a:pPr>
-            <a:r>
-              <a:rPr b="0" lang="ru-RU" sz="2400" spc="-1" strike="noStrike">
-                <a:latin typeface="Arial"/>
-              </a:rPr>
-              <a:t>Пароль: Должен быть не более 8 символов, включающие буквы и спец символы</a:t>
-            </a:r>
-            <a:endParaRPr b="0" lang="ru-RU" sz="2400" spc="-1" strike="noStrike">
-              <a:latin typeface="Arial"/>
-            </a:endParaRPr>
-          </a:p>
-          <a:p>
-            <a:pPr marL="432000" indent="-323640">
-              <a:lnSpc>
-                <a:spcPct val="100000"/>
-              </a:lnSpc>
-              <a:spcBef>
-                <a:spcPts val="1057"/>
-              </a:spcBef>
-              <a:buClr>
-                <a:srgbClr val="ff6600"/>
-              </a:buClr>
-              <a:buSzPct val="45000"/>
-              <a:buFont typeface="Wingdings" charset="2"/>
-              <a:buChar char=""/>
-            </a:pPr>
-            <a:r>
-              <a:rPr b="0" lang="ru-RU" sz="2400" spc="-1" strike="noStrike">
-                <a:latin typeface="Arial"/>
-              </a:rPr>
-              <a:t>Оба поля обязательные для заполнения</a:t>
-            </a:r>
-            <a:endParaRPr b="0" lang="ru-RU" sz="2400" spc="-1" strike="noStrike">
-              <a:latin typeface="Arial"/>
-            </a:endParaRPr>
-          </a:p>
-          <a:p>
-            <a:pPr marL="432000" indent="-323640">
-              <a:lnSpc>
-                <a:spcPct val="100000"/>
-              </a:lnSpc>
-              <a:spcBef>
-                <a:spcPts val="1057"/>
-              </a:spcBef>
-              <a:buClr>
-                <a:srgbClr val="ff6600"/>
-              </a:buClr>
-              <a:buSzPct val="45000"/>
-              <a:buFont typeface="Wingdings" charset="2"/>
-              <a:buChar char=""/>
-            </a:pPr>
-            <a:r>
-              <a:rPr b="0" lang="ru-RU" sz="2400" spc="-1" strike="noStrike">
-                <a:latin typeface="Arial"/>
-              </a:rPr>
-              <a:t>Чек-боксы: Муж и Жен – не обязательные к заполнению</a:t>
-            </a:r>
-            <a:endParaRPr b="0" lang="ru-RU" sz="2400" spc="-1" strike="noStrike">
-              <a:latin typeface="Arial"/>
-            </a:endParaRPr>
-          </a:p>
-          <a:p>
-            <a:pPr marL="432000" indent="-323640">
-              <a:lnSpc>
-                <a:spcPct val="100000"/>
-              </a:lnSpc>
-              <a:spcBef>
-                <a:spcPts val="1057"/>
-              </a:spcBef>
-              <a:buClr>
-                <a:srgbClr val="ff6600"/>
-              </a:buClr>
-              <a:buSzPct val="45000"/>
-              <a:buFont typeface="Wingdings" charset="2"/>
-              <a:buChar char=""/>
-            </a:pPr>
-            <a:r>
-              <a:rPr b="0" lang="ru-RU" sz="2400" spc="-1" strike="noStrike">
-                <a:latin typeface="Arial"/>
-              </a:rPr>
-              <a:t>Кнопка «Отправить» - При успешной регистрации, появляется сообщение об успешной регистрации</a:t>
-            </a:r>
-            <a:endParaRPr b="0" lang="ru-RU" sz="2400" spc="-1" strike="noStrike">
-              <a:latin typeface="Arial"/>
-            </a:endParaRPr>
-          </a:p>
-          <a:p>
-            <a:pPr marL="432000" indent="-323640">
-              <a:lnSpc>
-                <a:spcPct val="100000"/>
-              </a:lnSpc>
-              <a:spcBef>
-                <a:spcPts val="1057"/>
-              </a:spcBef>
-              <a:buClr>
-                <a:srgbClr val="ff6600"/>
-              </a:buClr>
-              <a:buSzPct val="45000"/>
-              <a:buFont typeface="Wingdings" charset="2"/>
-              <a:buChar char=""/>
-            </a:pPr>
-            <a:r>
-              <a:rPr b="0" lang="ru-RU" sz="2400" spc="-1" strike="noStrike">
-                <a:latin typeface="Arial"/>
-              </a:rPr>
-              <a:t>При не успешной регистрации появляется сообщение об ошибке</a:t>
-            </a:r>
-            <a:endParaRPr b="0" lang="ru-RU" sz="2400" spc="-1" strike="noStrike">
-              <a:latin typeface="Arial"/>
-            </a:endParaRPr>
-          </a:p>
-        </p:txBody>
-      </p:sp>
-      <p:pic>
-        <p:nvPicPr>
-          <p:cNvPr id="54" name="" descr=""/>
-          <p:cNvPicPr/>
-          <p:nvPr/>
-        </p:nvPicPr>
-        <p:blipFill>
-          <a:blip r:embed="rId1"/>
-          <a:stretch/>
-        </p:blipFill>
-        <p:spPr>
-          <a:xfrm>
-            <a:off x="73800" y="900000"/>
-            <a:ext cx="4763520" cy="3059640"/>
-          </a:xfrm>
-          <a:prstGeom prst="rect">
-            <a:avLst/>
-          </a:prstGeom>
-          <a:ln w="25200">
-            <a:noFill/>
-          </a:ln>
-        </p:spPr>
-      </p:pic>
-    </p:spTree>
-  </p:cSld>
-  <mc:AlternateContent>
-    <mc:Choice Requires="p14">
-      <p:transition spd="slow" p14:dur="2000"/>
-    </mc:Choice>
-    <mc:Fallback>
-      <p:transition spd="slow"/>
-    </mc:Fallback>
-  </mc:AlternateContent>
-</p:sld>
-</file>
-
 <file path=ppt/slides/slide9.xml><?xml version="1.0" encoding="utf-8"?>
 <p:sld xmlns:a="http://schemas.openxmlformats.org/drawingml/2006/main" xmlns:p="http://schemas.openxmlformats.org/presentationml/2006/main" xmlns:r="http://schemas.openxmlformats.org/officeDocument/2006/relationships" xmlns:p14="http://schemas.microsoft.com/office/powerpoint/2010/main" xmlns:p15="http://schemas.microsoft.com/office/powerpoint/2012/main" xmlns:mc="http://schemas.openxmlformats.org/markup-compatibility/2006">
   <p:cSld>
@@ -3774,6 +4042,291 @@
           <a:chExt cx="0" cy="0"/>
         </a:xfrm>
       </p:grpSpPr>
+      <p:sp>
+        <p:nvSpPr>
+          <p:cNvPr id="53" name=""/>
+          <p:cNvSpPr/>
+          <p:nvPr/>
+        </p:nvSpPr>
+        <p:spPr>
+          <a:xfrm>
+            <a:off x="540000" y="180000"/>
+            <a:ext cx="8279280" cy="629280"/>
+          </a:xfrm>
+          <a:prstGeom prst="rect">
+            <a:avLst/>
+          </a:prstGeom>
+          <a:noFill/>
+          <a:ln w="0">
+            <a:noFill/>
+          </a:ln>
+        </p:spPr>
+        <p:style>
+          <a:lnRef idx="0"/>
+          <a:fillRef idx="0"/>
+          <a:effectRef idx="0"/>
+          <a:fontRef idx="minor"/>
+        </p:style>
+        <p:txBody>
+          <a:bodyPr lIns="0" rIns="0" tIns="0" bIns="0" anchor="ctr">
+            <a:noAutofit/>
+          </a:bodyPr>
+          <a:p>
+            <a:pPr algn="ctr">
+              <a:lnSpc>
+                <a:spcPct val="100000"/>
+              </a:lnSpc>
+            </a:pPr>
+            <a:r>
+              <a:rPr b="0" lang="ru-RU" sz="2700" spc="-1" strike="noStrike">
+                <a:solidFill>
+                  <a:srgbClr val="ff6600"/>
+                </a:solidFill>
+                <a:latin typeface="Arial"/>
+                <a:ea typeface="DejaVu Sans"/>
+              </a:rPr>
+              <a:t>Формы регистрации</a:t>
+            </a:r>
+            <a:endParaRPr b="0" lang="ru-RU" sz="2700" spc="-1" strike="noStrike">
+              <a:latin typeface="Arial"/>
+            </a:endParaRPr>
+          </a:p>
+        </p:txBody>
+      </p:sp>
+      <p:sp>
+        <p:nvSpPr>
+          <p:cNvPr id="54" name=""/>
+          <p:cNvSpPr/>
+          <p:nvPr/>
+        </p:nvSpPr>
+        <p:spPr>
+          <a:xfrm>
+            <a:off x="4680000" y="900000"/>
+            <a:ext cx="5219280" cy="4319280"/>
+          </a:xfrm>
+          <a:prstGeom prst="rect">
+            <a:avLst/>
+          </a:prstGeom>
+          <a:noFill/>
+          <a:ln w="0">
+            <a:noFill/>
+          </a:ln>
+        </p:spPr>
+        <p:style>
+          <a:lnRef idx="0"/>
+          <a:fillRef idx="0"/>
+          <a:effectRef idx="0"/>
+          <a:fontRef idx="minor"/>
+        </p:style>
+        <p:txBody>
+          <a:bodyPr lIns="0" rIns="0" tIns="0" bIns="0">
+            <a:normAutofit fontScale="48000"/>
+          </a:bodyPr>
+          <a:p>
+            <a:pPr marL="432000" indent="-323280">
+              <a:lnSpc>
+                <a:spcPct val="100000"/>
+              </a:lnSpc>
+              <a:spcBef>
+                <a:spcPts val="1057"/>
+              </a:spcBef>
+              <a:buClr>
+                <a:srgbClr val="ff6600"/>
+              </a:buClr>
+              <a:buSzPct val="45000"/>
+              <a:buFont typeface="Wingdings" charset="2"/>
+              <a:buChar char=""/>
+            </a:pPr>
+            <a:r>
+              <a:rPr b="0" lang="ru-RU" sz="2400" spc="-1" strike="noStrike">
+                <a:solidFill>
+                  <a:srgbClr val="000000"/>
+                </a:solidFill>
+                <a:latin typeface="Arial"/>
+                <a:ea typeface="DejaVu Sans"/>
+              </a:rPr>
+              <a:t>Требования:</a:t>
+            </a:r>
+            <a:endParaRPr b="0" lang="ru-RU" sz="2400" spc="-1" strike="noStrike">
+              <a:latin typeface="Arial"/>
+            </a:endParaRPr>
+          </a:p>
+          <a:p>
+            <a:pPr marL="432000" indent="-323280">
+              <a:lnSpc>
+                <a:spcPct val="100000"/>
+              </a:lnSpc>
+              <a:spcBef>
+                <a:spcPts val="1057"/>
+              </a:spcBef>
+              <a:buClr>
+                <a:srgbClr val="ff6600"/>
+              </a:buClr>
+              <a:buSzPct val="45000"/>
+              <a:buFont typeface="Wingdings" charset="2"/>
+              <a:buChar char=""/>
+            </a:pPr>
+            <a:r>
+              <a:rPr b="0" lang="ru-RU" sz="2400" spc="-1" strike="noStrike">
+                <a:solidFill>
+                  <a:srgbClr val="000000"/>
+                </a:solidFill>
+                <a:latin typeface="Arial"/>
+                <a:ea typeface="DejaVu Sans"/>
+              </a:rPr>
+              <a:t>Логин:   Должен быть не менее 6 символов, включающих не менее одной цифры </a:t>
+            </a:r>
+            <a:endParaRPr b="0" lang="ru-RU" sz="2400" spc="-1" strike="noStrike">
+              <a:latin typeface="Arial"/>
+            </a:endParaRPr>
+          </a:p>
+          <a:p>
+            <a:pPr marL="432000" indent="-323280">
+              <a:lnSpc>
+                <a:spcPct val="100000"/>
+              </a:lnSpc>
+              <a:spcBef>
+                <a:spcPts val="1057"/>
+              </a:spcBef>
+              <a:buClr>
+                <a:srgbClr val="ff6600"/>
+              </a:buClr>
+              <a:buSzPct val="45000"/>
+              <a:buFont typeface="Wingdings" charset="2"/>
+              <a:buChar char=""/>
+            </a:pPr>
+            <a:r>
+              <a:rPr b="0" lang="ru-RU" sz="2400" spc="-1" strike="noStrike">
+                <a:solidFill>
+                  <a:srgbClr val="000000"/>
+                </a:solidFill>
+                <a:latin typeface="Arial"/>
+                <a:ea typeface="DejaVu Sans"/>
+              </a:rPr>
+              <a:t>Пароль: Должен быть не более 8 символов, включающие буквы и спец символы</a:t>
+            </a:r>
+            <a:endParaRPr b="0" lang="ru-RU" sz="2400" spc="-1" strike="noStrike">
+              <a:latin typeface="Arial"/>
+            </a:endParaRPr>
+          </a:p>
+          <a:p>
+            <a:pPr marL="432000" indent="-323280">
+              <a:lnSpc>
+                <a:spcPct val="100000"/>
+              </a:lnSpc>
+              <a:spcBef>
+                <a:spcPts val="1057"/>
+              </a:spcBef>
+              <a:buClr>
+                <a:srgbClr val="ff6600"/>
+              </a:buClr>
+              <a:buSzPct val="45000"/>
+              <a:buFont typeface="Wingdings" charset="2"/>
+              <a:buChar char=""/>
+            </a:pPr>
+            <a:r>
+              <a:rPr b="0" lang="ru-RU" sz="2400" spc="-1" strike="noStrike">
+                <a:solidFill>
+                  <a:srgbClr val="000000"/>
+                </a:solidFill>
+                <a:latin typeface="Arial"/>
+                <a:ea typeface="DejaVu Sans"/>
+              </a:rPr>
+              <a:t>Оба поля обязательные для заполнения</a:t>
+            </a:r>
+            <a:endParaRPr b="0" lang="ru-RU" sz="2400" spc="-1" strike="noStrike">
+              <a:latin typeface="Arial"/>
+            </a:endParaRPr>
+          </a:p>
+          <a:p>
+            <a:pPr marL="432000" indent="-323280">
+              <a:lnSpc>
+                <a:spcPct val="100000"/>
+              </a:lnSpc>
+              <a:spcBef>
+                <a:spcPts val="1057"/>
+              </a:spcBef>
+              <a:buClr>
+                <a:srgbClr val="ff6600"/>
+              </a:buClr>
+              <a:buSzPct val="45000"/>
+              <a:buFont typeface="Wingdings" charset="2"/>
+              <a:buChar char=""/>
+            </a:pPr>
+            <a:r>
+              <a:rPr b="0" lang="ru-RU" sz="2400" spc="-1" strike="noStrike">
+                <a:solidFill>
+                  <a:srgbClr val="000000"/>
+                </a:solidFill>
+                <a:latin typeface="Arial"/>
+                <a:ea typeface="DejaVu Sans"/>
+              </a:rPr>
+              <a:t>Чек-боксы: Муж и Жен – не обязательные к заполнению</a:t>
+            </a:r>
+            <a:endParaRPr b="0" lang="ru-RU" sz="2400" spc="-1" strike="noStrike">
+              <a:latin typeface="Arial"/>
+            </a:endParaRPr>
+          </a:p>
+          <a:p>
+            <a:pPr marL="432000" indent="-323280">
+              <a:lnSpc>
+                <a:spcPct val="100000"/>
+              </a:lnSpc>
+              <a:spcBef>
+                <a:spcPts val="1057"/>
+              </a:spcBef>
+              <a:buClr>
+                <a:srgbClr val="ff6600"/>
+              </a:buClr>
+              <a:buSzPct val="45000"/>
+              <a:buFont typeface="Wingdings" charset="2"/>
+              <a:buChar char=""/>
+            </a:pPr>
+            <a:r>
+              <a:rPr b="0" lang="ru-RU" sz="2400" spc="-1" strike="noStrike">
+                <a:solidFill>
+                  <a:srgbClr val="000000"/>
+                </a:solidFill>
+                <a:latin typeface="Arial"/>
+                <a:ea typeface="DejaVu Sans"/>
+              </a:rPr>
+              <a:t>Кнопка «Отправить» - При успешной регистрации, появляется сообщение об успешной регистрации</a:t>
+            </a:r>
+            <a:endParaRPr b="0" lang="ru-RU" sz="2400" spc="-1" strike="noStrike">
+              <a:latin typeface="Arial"/>
+            </a:endParaRPr>
+          </a:p>
+          <a:p>
+            <a:pPr marL="432000" indent="-323280">
+              <a:lnSpc>
+                <a:spcPct val="100000"/>
+              </a:lnSpc>
+              <a:spcBef>
+                <a:spcPts val="1057"/>
+              </a:spcBef>
+              <a:buClr>
+                <a:srgbClr val="ff6600"/>
+              </a:buClr>
+              <a:buSzPct val="45000"/>
+              <a:buFont typeface="Wingdings" charset="2"/>
+              <a:buChar char=""/>
+            </a:pPr>
+            <a:r>
+              <a:rPr b="0" lang="ru-RU" sz="2400" spc="-1" strike="noStrike">
+                <a:solidFill>
+                  <a:srgbClr val="000000"/>
+                </a:solidFill>
+                <a:latin typeface="Arial"/>
+                <a:ea typeface="DejaVu Sans"/>
+              </a:rPr>
+              <a:t>При не успешной регистрации появляется сообщение об ошибке</a:t>
+            </a:r>
+            <a:endParaRPr b="0" lang="ru-RU" sz="2400" spc="-1" strike="noStrike">
+              <a:latin typeface="Arial"/>
+            </a:endParaRPr>
+          </a:p>
+        </p:txBody>
+      </p:sp>
       <p:pic>
         <p:nvPicPr>
           <p:cNvPr id="55" name="" descr=""/>
@@ -3786,8 +4339,8 @@
         </p:blipFill>
         <p:spPr>
           <a:xfrm>
-            <a:off x="312480" y="810000"/>
-            <a:ext cx="5418000" cy="3149640"/>
+            <a:off x="73800" y="900000"/>
+            <a:ext cx="4763160" cy="3059280"/>
           </a:xfrm>
           <a:prstGeom prst="rect">
             <a:avLst/>
@@ -3797,149 +4350,6 @@
           </a:ln>
         </p:spPr>
       </p:pic>
-      <p:sp>
-        <p:nvSpPr>
-          <p:cNvPr id="56" name=""/>
-          <p:cNvSpPr/>
-          <p:nvPr/>
-        </p:nvSpPr>
-        <p:spPr>
-          <a:xfrm>
-            <a:off x="5760000" y="540000"/>
-            <a:ext cx="4139640" cy="4381920"/>
-          </a:xfrm>
-          <a:prstGeom prst="rect">
-            <a:avLst/>
-          </a:prstGeom>
-          <a:noFill/>
-          <a:ln w="25200">
-            <a:noFill/>
-          </a:ln>
-        </p:spPr>
-        <p:style>
-          <a:lnRef idx="0"/>
-          <a:fillRef idx="0"/>
-          <a:effectRef idx="0"/>
-          <a:fontRef idx="minor"/>
-        </p:style>
-        <p:txBody>
-          <a:bodyPr lIns="90000" rIns="90000" tIns="45000" bIns="45000">
-            <a:noAutofit/>
-          </a:bodyPr>
-          <a:p>
-            <a:pPr>
-              <a:lnSpc>
-                <a:spcPct val="100000"/>
-              </a:lnSpc>
-            </a:pPr>
-            <a:r>
-              <a:rPr b="0" lang="ru-RU" sz="1600" spc="-1" strike="noStrike">
-                <a:latin typeface="Arial"/>
-              </a:rPr>
-              <a:t>ТЗ</a:t>
-            </a:r>
-            <a:endParaRPr b="0" lang="ru-RU" sz="1600" spc="-1" strike="noStrike">
-              <a:latin typeface="Arial"/>
-            </a:endParaRPr>
-          </a:p>
-          <a:p>
-            <a:pPr>
-              <a:lnSpc>
-                <a:spcPct val="100000"/>
-              </a:lnSpc>
-            </a:pPr>
-            <a:r>
-              <a:rPr b="0" lang="ru-RU" sz="1600" spc="-1" strike="noStrike">
-                <a:latin typeface="Arial"/>
-              </a:rPr>
-              <a:t>- Создать страницу Редактирование пользователя. На странице должно быть 2 поля — Имя и Возраст</a:t>
-            </a:r>
-            <a:endParaRPr b="0" lang="ru-RU" sz="1600" spc="-1" strike="noStrike">
-              <a:latin typeface="Arial"/>
-            </a:endParaRPr>
-          </a:p>
-          <a:p>
-            <a:pPr>
-              <a:lnSpc>
-                <a:spcPct val="100000"/>
-              </a:lnSpc>
-            </a:pPr>
-            <a:r>
-              <a:rPr b="0" lang="ru-RU" sz="1600" spc="-1" strike="noStrike">
-                <a:latin typeface="Arial"/>
-              </a:rPr>
-              <a:t>- Поле "Имя" - текстовое поле, максимальное кол-во символов 15, может состоять только из кириллических или только из латинских символов.</a:t>
-            </a:r>
-            <a:endParaRPr b="0" lang="ru-RU" sz="1600" spc="-1" strike="noStrike">
-              <a:latin typeface="Arial"/>
-            </a:endParaRPr>
-          </a:p>
-          <a:p>
-            <a:pPr>
-              <a:lnSpc>
-                <a:spcPct val="100000"/>
-              </a:lnSpc>
-            </a:pPr>
-            <a:r>
-              <a:rPr b="0" lang="ru-RU" sz="1600" spc="-1" strike="noStrike">
-                <a:latin typeface="Arial"/>
-              </a:rPr>
-              <a:t>- Поле "Возраст" - числовое поле, максимальное значение символов 2, корректное значение в диапазоне 14 - 90.</a:t>
-            </a:r>
-            <a:endParaRPr b="0" lang="ru-RU" sz="1600" spc="-1" strike="noStrike">
-              <a:latin typeface="Arial"/>
-            </a:endParaRPr>
-          </a:p>
-          <a:p>
-            <a:pPr>
-              <a:lnSpc>
-                <a:spcPct val="100000"/>
-              </a:lnSpc>
-            </a:pPr>
-            <a:r>
-              <a:rPr b="0" lang="ru-RU" sz="1600" spc="-1" strike="noStrike">
-                <a:latin typeface="Arial"/>
-              </a:rPr>
-              <a:t>- После загрузки страницы кнопки "Отмена" и “Сохранить” активны.</a:t>
-            </a:r>
-            <a:endParaRPr b="0" lang="ru-RU" sz="1600" spc="-1" strike="noStrike">
-              <a:latin typeface="Arial"/>
-            </a:endParaRPr>
-          </a:p>
-          <a:p>
-            <a:pPr>
-              <a:lnSpc>
-                <a:spcPct val="100000"/>
-              </a:lnSpc>
-            </a:pPr>
-            <a:r>
-              <a:rPr b="0" lang="ru-RU" sz="1600" spc="-1" strike="noStrike">
-                <a:latin typeface="Arial"/>
-              </a:rPr>
-              <a:t>- После нажатия кнопки “Сохранить” введенные данные отправляются в БД, страница обновляется</a:t>
-            </a:r>
-            <a:endParaRPr b="0" lang="ru-RU" sz="1600" spc="-1" strike="noStrike">
-              <a:latin typeface="Arial"/>
-            </a:endParaRPr>
-          </a:p>
-          <a:p>
-            <a:pPr>
-              <a:lnSpc>
-                <a:spcPct val="100000"/>
-              </a:lnSpc>
-            </a:pPr>
-            <a:r>
-              <a:rPr b="0" lang="ru-RU" sz="1600" spc="-1" strike="noStrike">
-                <a:latin typeface="Arial"/>
-              </a:rPr>
-              <a:t>- После нажатия кнопки “Отмена” происходит переход к странице “Информация о  пользователе”</a:t>
-            </a:r>
-            <a:endParaRPr b="0" lang="ru-RU" sz="1600" spc="-1" strike="noStrike">
-              <a:latin typeface="Arial"/>
-            </a:endParaRPr>
-          </a:p>
-        </p:txBody>
-      </p:sp>
     </p:spTree>
   </p:cSld>
   <mc:AlternateContent>
